--- a/talks/RichTAGlance.pptx
+++ b/talks/RichTAGlance.pptx
@@ -288,7 +288,7 @@
           <a:p>
             <a:fld id="{D20B567E-57D3-4E43-AC89-D1A4605D9845}" type="datetimeFigureOut">
               <a:rPr lang="en-CA" smtClean="0"/>
-              <a:t>2017-11-15</a:t>
+              <a:t>2018-06-10</a:t>
             </a:fld>
             <a:endParaRPr lang="en-CA"/>
           </a:p>
@@ -458,7 +458,7 @@
           <a:p>
             <a:fld id="{D20B567E-57D3-4E43-AC89-D1A4605D9845}" type="datetimeFigureOut">
               <a:rPr lang="en-CA" smtClean="0"/>
-              <a:t>2017-11-15</a:t>
+              <a:t>2018-06-10</a:t>
             </a:fld>
             <a:endParaRPr lang="en-CA"/>
           </a:p>
@@ -638,7 +638,7 @@
           <a:p>
             <a:fld id="{D20B567E-57D3-4E43-AC89-D1A4605D9845}" type="datetimeFigureOut">
               <a:rPr lang="en-CA" smtClean="0"/>
-              <a:t>2017-11-15</a:t>
+              <a:t>2018-06-10</a:t>
             </a:fld>
             <a:endParaRPr lang="en-CA"/>
           </a:p>
@@ -808,7 +808,7 @@
           <a:p>
             <a:fld id="{D20B567E-57D3-4E43-AC89-D1A4605D9845}" type="datetimeFigureOut">
               <a:rPr lang="en-CA" smtClean="0"/>
-              <a:t>2017-11-15</a:t>
+              <a:t>2018-06-10</a:t>
             </a:fld>
             <a:endParaRPr lang="en-CA"/>
           </a:p>
@@ -1054,7 +1054,7 @@
           <a:p>
             <a:fld id="{D20B567E-57D3-4E43-AC89-D1A4605D9845}" type="datetimeFigureOut">
               <a:rPr lang="en-CA" smtClean="0"/>
-              <a:t>2017-11-15</a:t>
+              <a:t>2018-06-10</a:t>
             </a:fld>
             <a:endParaRPr lang="en-CA"/>
           </a:p>
@@ -1342,7 +1342,7 @@
           <a:p>
             <a:fld id="{D20B567E-57D3-4E43-AC89-D1A4605D9845}" type="datetimeFigureOut">
               <a:rPr lang="en-CA" smtClean="0"/>
-              <a:t>2017-11-15</a:t>
+              <a:t>2018-06-10</a:t>
             </a:fld>
             <a:endParaRPr lang="en-CA"/>
           </a:p>
@@ -1764,7 +1764,7 @@
           <a:p>
             <a:fld id="{D20B567E-57D3-4E43-AC89-D1A4605D9845}" type="datetimeFigureOut">
               <a:rPr lang="en-CA" smtClean="0"/>
-              <a:t>2017-11-15</a:t>
+              <a:t>2018-06-10</a:t>
             </a:fld>
             <a:endParaRPr lang="en-CA"/>
           </a:p>
@@ -1882,7 +1882,7 @@
           <a:p>
             <a:fld id="{D20B567E-57D3-4E43-AC89-D1A4605D9845}" type="datetimeFigureOut">
               <a:rPr lang="en-CA" smtClean="0"/>
-              <a:t>2017-11-15</a:t>
+              <a:t>2018-06-10</a:t>
             </a:fld>
             <a:endParaRPr lang="en-CA"/>
           </a:p>
@@ -1977,7 +1977,7 @@
           <a:p>
             <a:fld id="{D20B567E-57D3-4E43-AC89-D1A4605D9845}" type="datetimeFigureOut">
               <a:rPr lang="en-CA" smtClean="0"/>
-              <a:t>2017-11-15</a:t>
+              <a:t>2018-06-10</a:t>
             </a:fld>
             <a:endParaRPr lang="en-CA"/>
           </a:p>
@@ -2254,7 +2254,7 @@
           <a:p>
             <a:fld id="{D20B567E-57D3-4E43-AC89-D1A4605D9845}" type="datetimeFigureOut">
               <a:rPr lang="en-CA" smtClean="0"/>
-              <a:t>2017-11-15</a:t>
+              <a:t>2018-06-10</a:t>
             </a:fld>
             <a:endParaRPr lang="en-CA"/>
           </a:p>
@@ -2507,7 +2507,7 @@
           <a:p>
             <a:fld id="{D20B567E-57D3-4E43-AC89-D1A4605D9845}" type="datetimeFigureOut">
               <a:rPr lang="en-CA" smtClean="0"/>
-              <a:t>2017-11-15</a:t>
+              <a:t>2018-06-10</a:t>
             </a:fld>
             <a:endParaRPr lang="en-CA"/>
           </a:p>
@@ -2720,7 +2720,7 @@
           <a:p>
             <a:fld id="{D20B567E-57D3-4E43-AC89-D1A4605D9845}" type="datetimeFigureOut">
               <a:rPr lang="en-CA" smtClean="0"/>
-              <a:t>2017-11-15</a:t>
+              <a:t>2018-06-10</a:t>
             </a:fld>
             <a:endParaRPr lang="en-CA"/>
           </a:p>
@@ -3309,9 +3309,500 @@
           </a:p>
         </p:txBody>
       </p:sp>
+      <p:sp>
+        <p:nvSpPr>
+          <p:cNvPr id="11" name="TextBox 10"/>
+          <p:cNvSpPr txBox="1"/>
+          <p:nvPr/>
+        </p:nvSpPr>
+        <p:spPr>
+          <a:xfrm>
+            <a:off x="72008" y="35331"/>
+            <a:ext cx="9108504" cy="384721"/>
+          </a:xfrm>
+          <a:prstGeom prst="rect">
+            <a:avLst/>
+          </a:prstGeom>
+          <a:noFill/>
+        </p:spPr>
+        <p:txBody>
+          <a:bodyPr wrap="square" rtlCol="0">
+            <a:spAutoFit/>
+          </a:bodyPr>
+          <a:lstStyle/>
+          <a:p>
+            <a:r>
+              <a:rPr lang="en-CA" sz="1900" dirty="0" smtClean="0">
+                <a:effectLst>
+                  <a:outerShdw blurRad="38100" dist="38100" dir="2700000" algn="tl">
+                    <a:srgbClr val="000000">
+                      <a:alpha val="43137"/>
+                    </a:srgbClr>
+                  </a:outerShdw>
+                </a:effectLst>
+              </a:rPr>
+              <a:t>Data in Perspective: </a:t>
+            </a:r>
+            <a:r>
+              <a:rPr lang="en-CA" sz="1900" dirty="0">
+                <a:effectLst>
+                  <a:outerShdw blurRad="38100" dist="38100" dir="2700000" algn="tl">
+                    <a:srgbClr val="000000">
+                      <a:alpha val="43137"/>
+                    </a:srgbClr>
+                  </a:outerShdw>
+                </a:effectLst>
+              </a:rPr>
+              <a:t>The Rich </a:t>
+            </a:r>
+            <a:r>
+              <a:rPr lang="en-CA" sz="1900" dirty="0" smtClean="0">
+                <a:effectLst>
+                  <a:outerShdw blurRad="38100" dist="38100" dir="2700000" algn="tl">
+                    <a:srgbClr val="000000">
+                      <a:alpha val="43137"/>
+                    </a:srgbClr>
+                  </a:outerShdw>
+                </a:effectLst>
+              </a:rPr>
+              <a:t>TA Example </a:t>
+            </a:r>
+            <a:r>
+              <a:rPr lang="en-CA" sz="1900" dirty="0">
+                <a:effectLst>
+                  <a:outerShdw blurRad="38100" dist="38100" dir="2700000" algn="tl">
+                    <a:srgbClr val="000000">
+                      <a:alpha val="43137"/>
+                    </a:srgbClr>
+                  </a:outerShdw>
+                </a:effectLst>
+              </a:rPr>
+              <a:t>as </a:t>
+            </a:r>
+            <a:r>
+              <a:rPr lang="en-CA" sz="1900" dirty="0" err="1" smtClean="0">
+                <a:effectLst>
+                  <a:outerShdw blurRad="38100" dist="38100" dir="2700000" algn="tl">
+                    <a:srgbClr val="000000">
+                      <a:alpha val="43137"/>
+                    </a:srgbClr>
+                  </a:outerShdw>
+                </a:effectLst>
+              </a:rPr>
+              <a:t>Grailog</a:t>
+            </a:r>
+            <a:r>
+              <a:rPr lang="en-CA" sz="1900" dirty="0" smtClean="0">
+                <a:effectLst>
+                  <a:outerShdw blurRad="38100" dist="38100" dir="2700000" algn="tl">
+                    <a:srgbClr val="000000">
+                      <a:alpha val="43137"/>
+                    </a:srgbClr>
+                  </a:outerShdw>
+                </a:effectLst>
+              </a:rPr>
+              <a:t> Visualization and PSOA </a:t>
+            </a:r>
+            <a:r>
+              <a:rPr lang="en-CA" sz="1900" dirty="0" err="1" smtClean="0">
+                <a:effectLst>
+                  <a:outerShdw blurRad="38100" dist="38100" dir="2700000" algn="tl">
+                    <a:srgbClr val="000000">
+                      <a:alpha val="43137"/>
+                    </a:srgbClr>
+                  </a:outerShdw>
+                </a:effectLst>
+              </a:rPr>
+              <a:t>RuleML</a:t>
+            </a:r>
+            <a:r>
+              <a:rPr lang="en-CA" sz="1900" dirty="0" smtClean="0">
+                <a:effectLst>
+                  <a:outerShdw blurRad="38100" dist="38100" dir="2700000" algn="tl">
+                    <a:srgbClr val="000000">
+                      <a:alpha val="43137"/>
+                    </a:srgbClr>
+                  </a:outerShdw>
+                </a:effectLst>
+              </a:rPr>
+              <a:t> Facts</a:t>
+            </a:r>
+          </a:p>
+        </p:txBody>
+      </p:sp>
+      <p:sp>
+        <p:nvSpPr>
+          <p:cNvPr id="12" name="TextBox 11"/>
+          <p:cNvSpPr txBox="1"/>
+          <p:nvPr/>
+        </p:nvSpPr>
+        <p:spPr>
+          <a:xfrm>
+            <a:off x="927056" y="5428854"/>
+            <a:ext cx="349776" cy="369332"/>
+          </a:xfrm>
+          <a:prstGeom prst="rect">
+            <a:avLst/>
+          </a:prstGeom>
+          <a:noFill/>
+        </p:spPr>
+        <p:txBody>
+          <a:bodyPr wrap="none" rtlCol="0">
+            <a:spAutoFit/>
+          </a:bodyPr>
+          <a:lstStyle/>
+          <a:p>
+            <a:r>
+              <a:rPr lang="en-CA" dirty="0" smtClean="0">
+                <a:solidFill>
+                  <a:srgbClr val="0070C0"/>
+                </a:solidFill>
+                <a:sym typeface="Symbol"/>
+              </a:rPr>
+              <a:t></a:t>
+            </a:r>
+            <a:endParaRPr lang="en-CA" dirty="0">
+              <a:solidFill>
+                <a:srgbClr val="0070C0"/>
+              </a:solidFill>
+            </a:endParaRPr>
+          </a:p>
+        </p:txBody>
+      </p:sp>
+      <p:sp>
+        <p:nvSpPr>
+          <p:cNvPr id="15" name="TextBox 14"/>
+          <p:cNvSpPr txBox="1"/>
+          <p:nvPr/>
+        </p:nvSpPr>
+        <p:spPr>
+          <a:xfrm>
+            <a:off x="107504" y="755411"/>
+            <a:ext cx="1799532" cy="369332"/>
+          </a:xfrm>
+          <a:prstGeom prst="rect">
+            <a:avLst/>
+          </a:prstGeom>
+          <a:noFill/>
+        </p:spPr>
+        <p:txBody>
+          <a:bodyPr wrap="none" rtlCol="0">
+            <a:spAutoFit/>
+          </a:bodyPr>
+          <a:lstStyle/>
+          <a:p>
+            <a:r>
+              <a:rPr lang="en-CA" i="1" dirty="0" smtClean="0"/>
+              <a:t>PSOA </a:t>
+            </a:r>
+            <a:r>
+              <a:rPr lang="en-CA" i="1" dirty="0" err="1"/>
+              <a:t>RuleML</a:t>
+            </a:r>
+            <a:r>
+              <a:rPr lang="en-CA" i="1" dirty="0"/>
+              <a:t> 1.0</a:t>
+            </a:r>
+          </a:p>
+        </p:txBody>
+      </p:sp>
+      <p:sp>
+        <p:nvSpPr>
+          <p:cNvPr id="114" name="TextBox 113"/>
+          <p:cNvSpPr txBox="1"/>
+          <p:nvPr/>
+        </p:nvSpPr>
+        <p:spPr>
+          <a:xfrm>
+            <a:off x="5893904" y="748441"/>
+            <a:ext cx="3142592" cy="276999"/>
+          </a:xfrm>
+          <a:prstGeom prst="rect">
+            <a:avLst/>
+          </a:prstGeom>
+          <a:noFill/>
+        </p:spPr>
+        <p:txBody>
+          <a:bodyPr wrap="none" rtlCol="0">
+            <a:spAutoFit/>
+          </a:bodyPr>
+          <a:lstStyle/>
+          <a:p>
+            <a:r>
+              <a:rPr lang="en-CA" sz="1200" i="1" dirty="0">
+                <a:hlinkClick r:id="rId2"/>
+              </a:rPr>
+              <a:t>http://</a:t>
+            </a:r>
+            <a:r>
+              <a:rPr lang="en-CA" sz="1200" i="1" dirty="0" smtClean="0">
+                <a:hlinkClick r:id="rId2"/>
+              </a:rPr>
+              <a:t>wiki.ruleml.org/index.php/PSOA_RuleML</a:t>
+            </a:r>
+            <a:endParaRPr lang="en-CA" sz="1200" i="1" dirty="0" smtClean="0"/>
+          </a:p>
+        </p:txBody>
+      </p:sp>
+      <p:sp>
+        <p:nvSpPr>
+          <p:cNvPr id="13" name="TextBox 12"/>
+          <p:cNvSpPr txBox="1"/>
+          <p:nvPr/>
+        </p:nvSpPr>
+        <p:spPr>
+          <a:xfrm>
+            <a:off x="122973" y="1115451"/>
+            <a:ext cx="1118383" cy="523220"/>
+          </a:xfrm>
+          <a:prstGeom prst="rect">
+            <a:avLst/>
+          </a:prstGeom>
+          <a:noFill/>
+        </p:spPr>
+        <p:txBody>
+          <a:bodyPr wrap="none" rtlCol="0">
+            <a:spAutoFit/>
+          </a:bodyPr>
+          <a:lstStyle/>
+          <a:p>
+            <a:r>
+              <a:rPr lang="en-CA" sz="1400" dirty="0"/>
+              <a:t>Harold </a:t>
+            </a:r>
+            <a:r>
+              <a:rPr lang="en-CA" sz="1400" dirty="0" smtClean="0"/>
+              <a:t>Boley</a:t>
+            </a:r>
+          </a:p>
+          <a:p>
+            <a:r>
+              <a:rPr lang="en-CA" sz="1400" dirty="0" smtClean="0"/>
+              <a:t>Gen </a:t>
+            </a:r>
+            <a:r>
+              <a:rPr lang="en-CA" sz="1400" dirty="0"/>
+              <a:t>Zou</a:t>
+            </a:r>
+          </a:p>
+        </p:txBody>
+      </p:sp>
+      <p:sp>
+        <p:nvSpPr>
+          <p:cNvPr id="113" name="TextBox 112"/>
+          <p:cNvSpPr txBox="1"/>
+          <p:nvPr/>
+        </p:nvSpPr>
+        <p:spPr>
+          <a:xfrm>
+            <a:off x="7359922" y="1097448"/>
+            <a:ext cx="1820948" cy="954107"/>
+          </a:xfrm>
+          <a:prstGeom prst="rect">
+            <a:avLst/>
+          </a:prstGeom>
+          <a:noFill/>
+        </p:spPr>
+        <p:txBody>
+          <a:bodyPr wrap="none" rtlCol="0">
+            <a:spAutoFit/>
+          </a:bodyPr>
+          <a:lstStyle/>
+          <a:p>
+            <a:r>
+              <a:rPr lang="en-CA" sz="1400" dirty="0"/>
+              <a:t>Standards </a:t>
+            </a:r>
+            <a:r>
+              <a:rPr lang="en-CA" sz="1400" dirty="0" smtClean="0"/>
+              <a:t>Session</a:t>
+            </a:r>
+          </a:p>
+          <a:p>
+            <a:r>
+              <a:rPr lang="en-CA" sz="1400" dirty="0" err="1" smtClean="0"/>
+              <a:t>RuleML+RR</a:t>
+            </a:r>
+            <a:r>
+              <a:rPr lang="en-CA" sz="1400" dirty="0" smtClean="0"/>
+              <a:t> </a:t>
+            </a:r>
+            <a:r>
+              <a:rPr lang="en-CA" sz="1400" dirty="0"/>
+              <a:t>2017</a:t>
+            </a:r>
+          </a:p>
+          <a:p>
+            <a:r>
+              <a:rPr lang="en-CA" sz="1400" dirty="0"/>
+              <a:t>July 12-15, </a:t>
+            </a:r>
+            <a:r>
+              <a:rPr lang="en-CA" sz="1400" dirty="0" smtClean="0"/>
+              <a:t>2017</a:t>
+            </a:r>
+          </a:p>
+          <a:p>
+            <a:r>
+              <a:rPr lang="en-CA" sz="1400" dirty="0" smtClean="0"/>
+              <a:t>Update: </a:t>
+            </a:r>
+            <a:r>
+              <a:rPr lang="en-CA" sz="1400" dirty="0" smtClean="0"/>
+              <a:t>June 10, 2018</a:t>
+            </a:r>
+            <a:endParaRPr lang="en-CA" sz="1400" dirty="0"/>
+          </a:p>
+        </p:txBody>
+      </p:sp>
+      <p:sp>
+        <p:nvSpPr>
+          <p:cNvPr id="119" name="TextBox 118"/>
+          <p:cNvSpPr txBox="1"/>
+          <p:nvPr/>
+        </p:nvSpPr>
+        <p:spPr>
+          <a:xfrm>
+            <a:off x="35496" y="404664"/>
+            <a:ext cx="9108504" cy="338554"/>
+          </a:xfrm>
+          <a:prstGeom prst="rect">
+            <a:avLst/>
+          </a:prstGeom>
+          <a:noFill/>
+        </p:spPr>
+        <p:txBody>
+          <a:bodyPr wrap="square" rtlCol="0">
+            <a:spAutoFit/>
+          </a:bodyPr>
+          <a:lstStyle/>
+          <a:p>
+            <a:r>
+              <a:rPr lang="en-CA" sz="1600" dirty="0" smtClean="0"/>
+              <a:t>Describe </a:t>
+            </a:r>
+            <a:r>
+              <a:rPr lang="en-CA" sz="1600" dirty="0"/>
+              <a:t>John </a:t>
+            </a:r>
+            <a:r>
+              <a:rPr lang="en-CA" sz="1600" dirty="0" smtClean="0"/>
+              <a:t>independently</a:t>
+            </a:r>
+            <a:r>
+              <a:rPr lang="en-CA" sz="900" dirty="0" smtClean="0"/>
+              <a:t> </a:t>
+            </a:r>
+            <a:r>
+              <a:rPr lang="en-CA" sz="1600" dirty="0"/>
+              <a:t>(-) re income,</a:t>
+            </a:r>
+            <a:r>
+              <a:rPr lang="en-CA" sz="900" dirty="0"/>
+              <a:t> </a:t>
+            </a:r>
+            <a:r>
+              <a:rPr lang="en-CA" sz="1600" dirty="0" smtClean="0"/>
+              <a:t>gender,</a:t>
+            </a:r>
+            <a:r>
+              <a:rPr lang="en-CA" sz="900" dirty="0" smtClean="0"/>
+              <a:t> </a:t>
+            </a:r>
+            <a:r>
+              <a:rPr lang="en-CA" sz="1600" dirty="0" err="1" smtClean="0"/>
+              <a:t>dob</a:t>
+            </a:r>
+            <a:r>
+              <a:rPr lang="en-CA" sz="1600" dirty="0" smtClean="0"/>
+              <a:t> </a:t>
+            </a:r>
+            <a:r>
+              <a:rPr lang="en-CA" sz="1600" dirty="0"/>
+              <a:t>and </a:t>
+            </a:r>
+            <a:r>
+              <a:rPr lang="en-CA" sz="1600" dirty="0" smtClean="0"/>
+              <a:t>dependent</a:t>
+            </a:r>
+            <a:r>
+              <a:rPr lang="en-CA" sz="900" dirty="0" smtClean="0"/>
+              <a:t> </a:t>
+            </a:r>
+            <a:r>
+              <a:rPr lang="en-CA" sz="1600" dirty="0" smtClean="0"/>
+              <a:t>(+) on Teacher</a:t>
+            </a:r>
+            <a:r>
+              <a:rPr lang="en-CA" sz="900" dirty="0" smtClean="0"/>
+              <a:t> </a:t>
+            </a:r>
+            <a:r>
+              <a:rPr lang="en-CA" sz="1600" dirty="0" smtClean="0"/>
+              <a:t>(3), TA</a:t>
+            </a:r>
+            <a:r>
+              <a:rPr lang="en-CA" sz="900" dirty="0" smtClean="0"/>
+              <a:t> </a:t>
+            </a:r>
+            <a:r>
+              <a:rPr lang="en-CA" sz="1600" dirty="0" smtClean="0"/>
+              <a:t>(1), Student</a:t>
+            </a:r>
+            <a:r>
+              <a:rPr lang="en-CA" sz="900" dirty="0" smtClean="0"/>
+              <a:t> </a:t>
+            </a:r>
+            <a:r>
+              <a:rPr lang="en-CA" sz="1600" dirty="0" smtClean="0"/>
+              <a:t>(2).</a:t>
+            </a:r>
+            <a:endParaRPr lang="en-CA" sz="1900" dirty="0"/>
+          </a:p>
+        </p:txBody>
+      </p:sp>
+      <p:sp>
+        <p:nvSpPr>
+          <p:cNvPr id="121" name="TextBox 120"/>
+          <p:cNvSpPr txBox="1"/>
+          <p:nvPr/>
+        </p:nvSpPr>
+        <p:spPr>
+          <a:xfrm>
+            <a:off x="4779911" y="5459061"/>
+            <a:ext cx="349776" cy="369332"/>
+          </a:xfrm>
+          <a:prstGeom prst="rect">
+            <a:avLst/>
+          </a:prstGeom>
+          <a:noFill/>
+        </p:spPr>
+        <p:txBody>
+          <a:bodyPr wrap="none" rtlCol="0">
+            <a:spAutoFit/>
+          </a:bodyPr>
+          <a:lstStyle/>
+          <a:p>
+            <a:r>
+              <a:rPr lang="en-CA" dirty="0" smtClean="0">
+                <a:solidFill>
+                  <a:srgbClr val="0070C0"/>
+                </a:solidFill>
+                <a:sym typeface="Symbol"/>
+              </a:rPr>
+              <a:t></a:t>
+            </a:r>
+            <a:endParaRPr lang="en-CA" dirty="0">
+              <a:solidFill>
+                <a:srgbClr val="0070C0"/>
+              </a:solidFill>
+            </a:endParaRPr>
+          </a:p>
+        </p:txBody>
+      </p:sp>
       <p:grpSp>
         <p:nvGrpSpPr>
-          <p:cNvPr id="10" name="Group 9"/>
+          <p:cNvPr id="139" name="Group 138"/>
           <p:cNvGrpSpPr/>
           <p:nvPr/>
         </p:nvGrpSpPr>
@@ -3319,7 +3810,7 @@
           <a:xfrm>
             <a:off x="582145" y="746118"/>
             <a:ext cx="7950295" cy="4833829"/>
-            <a:chOff x="582145" y="260648"/>
+            <a:chOff x="582145" y="746118"/>
             <a:chExt cx="7950295" cy="4833829"/>
           </a:xfrm>
         </p:grpSpPr>
@@ -3333,7 +3824,7 @@
           </p:nvSpPr>
           <p:spPr bwMode="auto">
             <a:xfrm>
-              <a:off x="4012408" y="333777"/>
+              <a:off x="4012408" y="819247"/>
               <a:ext cx="878767" cy="338554"/>
             </a:xfrm>
             <a:prstGeom prst="rect">
@@ -3519,7 +4010,7 @@
           </p:nvGrpSpPr>
           <p:grpSpPr bwMode="auto">
             <a:xfrm>
-              <a:off x="3934544" y="260648"/>
+              <a:off x="3934544" y="746118"/>
               <a:ext cx="1000125" cy="457200"/>
               <a:chOff x="58972" y="6096000"/>
               <a:chExt cx="1000102" cy="609600"/>
@@ -3884,7 +4375,7 @@
           </p:nvSpPr>
           <p:spPr bwMode="auto">
             <a:xfrm>
-              <a:off x="4213313" y="1033492"/>
+              <a:off x="4213313" y="1518962"/>
               <a:ext cx="430695" cy="338554"/>
             </a:xfrm>
             <a:prstGeom prst="rect">
@@ -4070,7 +4561,7 @@
           </p:nvGrpSpPr>
           <p:grpSpPr bwMode="auto">
             <a:xfrm>
-              <a:off x="3931915" y="960363"/>
+              <a:off x="3931915" y="1445833"/>
               <a:ext cx="1000125" cy="457200"/>
               <a:chOff x="58972" y="6096000"/>
               <a:chExt cx="1000102" cy="609600"/>
@@ -4435,7 +4926,7 @@
           </p:nvSpPr>
           <p:spPr bwMode="auto">
             <a:xfrm>
-              <a:off x="2057576" y="648300"/>
+              <a:off x="2057576" y="1133770"/>
               <a:ext cx="913712" cy="338554"/>
             </a:xfrm>
             <a:prstGeom prst="rect">
@@ -4621,7 +5112,7 @@
           </p:nvGrpSpPr>
           <p:grpSpPr bwMode="auto">
             <a:xfrm>
-              <a:off x="1979712" y="575171"/>
+              <a:off x="1979712" y="1060641"/>
               <a:ext cx="1000125" cy="457200"/>
               <a:chOff x="58972" y="6096000"/>
               <a:chExt cx="1000102" cy="609600"/>
@@ -4986,7 +5477,7 @@
           </p:nvSpPr>
           <p:spPr bwMode="auto">
             <a:xfrm>
-              <a:off x="5953995" y="648300"/>
+              <a:off x="5953995" y="1133770"/>
               <a:ext cx="891591" cy="338554"/>
             </a:xfrm>
             <a:prstGeom prst="rect">
@@ -5172,7 +5663,7 @@
           </p:nvGrpSpPr>
           <p:grpSpPr bwMode="auto">
             <a:xfrm>
-              <a:off x="5876131" y="575171"/>
+              <a:off x="5876131" y="1060641"/>
               <a:ext cx="1000125" cy="457200"/>
               <a:chOff x="58972" y="6096000"/>
               <a:chExt cx="1000102" cy="609600"/>
@@ -5537,7 +6028,7 @@
           </p:nvSpPr>
           <p:spPr bwMode="auto">
             <a:xfrm flipV="1">
-              <a:off x="2979837" y="503053"/>
+              <a:off x="2979837" y="988523"/>
               <a:ext cx="954708" cy="314523"/>
             </a:xfrm>
             <a:prstGeom prst="line">
@@ -5578,7 +6069,7 @@
           </p:nvSpPr>
           <p:spPr bwMode="auto">
             <a:xfrm flipH="1" flipV="1">
-              <a:off x="4932040" y="476672"/>
+              <a:off x="4932040" y="962142"/>
               <a:ext cx="954708" cy="314523"/>
             </a:xfrm>
             <a:prstGeom prst="line">
@@ -5619,7 +6110,7 @@
           </p:nvSpPr>
           <p:spPr bwMode="auto">
             <a:xfrm flipV="1">
-              <a:off x="4932041" y="874436"/>
+              <a:off x="4932041" y="1359906"/>
               <a:ext cx="968686" cy="314523"/>
             </a:xfrm>
             <a:prstGeom prst="line">
@@ -5660,7 +6151,7 @@
           </p:nvSpPr>
           <p:spPr bwMode="auto">
             <a:xfrm flipH="1" flipV="1">
-              <a:off x="2957343" y="875108"/>
+              <a:off x="2957343" y="1360578"/>
               <a:ext cx="977201" cy="327660"/>
             </a:xfrm>
             <a:prstGeom prst="line">
@@ -5699,7 +6190,7 @@
           </p:nvSpPr>
           <p:spPr>
             <a:xfrm>
-              <a:off x="2152143" y="1751219"/>
+              <a:off x="2152143" y="2236689"/>
               <a:ext cx="4573301" cy="947519"/>
             </a:xfrm>
             <a:prstGeom prst="rect">
@@ -5757,7 +6248,7 @@
           </p:nvSpPr>
           <p:spPr bwMode="auto">
             <a:xfrm>
-              <a:off x="4034116" y="1988840"/>
+              <a:off x="4034116" y="2474310"/>
               <a:ext cx="900554" cy="461665"/>
             </a:xfrm>
             <a:prstGeom prst="rect">
@@ -5939,7 +6430,7 @@
           </p:nvSpPr>
           <p:spPr bwMode="auto">
             <a:xfrm>
-              <a:off x="5103524" y="3059668"/>
+              <a:off x="5103524" y="3545138"/>
               <a:ext cx="633507" cy="369332"/>
             </a:xfrm>
             <a:prstGeom prst="rect">
@@ -6113,7 +6604,7 @@
           </p:nvSpPr>
           <p:spPr>
             <a:xfrm>
-              <a:off x="3943052" y="2780928"/>
+              <a:off x="3943052" y="3266398"/>
               <a:ext cx="1060996" cy="369332"/>
             </a:xfrm>
             <a:prstGeom prst="rect">
@@ -6144,7 +6635,7 @@
           </p:nvSpPr>
           <p:spPr bwMode="auto">
             <a:xfrm>
-              <a:off x="3196932" y="3392393"/>
+              <a:off x="3196932" y="3877863"/>
               <a:ext cx="654988" cy="369332"/>
             </a:xfrm>
             <a:prstGeom prst="rect">
@@ -6320,7 +6811,7 @@
           </p:nvSpPr>
           <p:spPr bwMode="auto">
             <a:xfrm>
-              <a:off x="2693645" y="4437113"/>
+              <a:off x="2693645" y="4922583"/>
               <a:ext cx="582211" cy="369332"/>
             </a:xfrm>
             <a:prstGeom prst="rect">
@@ -6496,7 +6987,7 @@
           </p:nvSpPr>
           <p:spPr bwMode="auto">
             <a:xfrm>
-              <a:off x="4355976" y="3573016"/>
+              <a:off x="4355976" y="4058486"/>
               <a:ext cx="620683" cy="369332"/>
             </a:xfrm>
             <a:prstGeom prst="rect">
@@ -6672,7 +7163,7 @@
           </p:nvSpPr>
           <p:spPr bwMode="auto">
             <a:xfrm>
-              <a:off x="5341177" y="3861048"/>
+              <a:off x="5341177" y="4346518"/>
               <a:ext cx="580917" cy="369332"/>
             </a:xfrm>
             <a:prstGeom prst="rect">
@@ -6848,7 +7339,7 @@
           </p:nvSpPr>
           <p:spPr bwMode="auto">
             <a:xfrm>
-              <a:off x="5796136" y="4725145"/>
+              <a:off x="5796136" y="5210615"/>
               <a:ext cx="453970" cy="369332"/>
             </a:xfrm>
             <a:prstGeom prst="rect">
@@ -7024,7 +7515,7 @@
           </p:nvSpPr>
           <p:spPr bwMode="auto">
             <a:xfrm>
-              <a:off x="7725731" y="2843644"/>
+              <a:off x="7725731" y="3329114"/>
               <a:ext cx="697627" cy="369332"/>
             </a:xfrm>
             <a:prstGeom prst="rect">
@@ -7200,7 +7691,7 @@
           </p:nvSpPr>
           <p:spPr bwMode="auto">
             <a:xfrm>
-              <a:off x="7847637" y="1914242"/>
+              <a:off x="7847637" y="2399712"/>
               <a:ext cx="684803" cy="369332"/>
             </a:xfrm>
             <a:prstGeom prst="rect">
@@ -7374,7 +7865,7 @@
           </p:nvSpPr>
           <p:spPr>
             <a:xfrm>
-              <a:off x="6814623" y="1700808"/>
+              <a:off x="6814623" y="2186278"/>
               <a:ext cx="846386" cy="369332"/>
             </a:xfrm>
             <a:prstGeom prst="rect">
@@ -7405,7 +7896,7 @@
           </p:nvSpPr>
           <p:spPr bwMode="auto">
             <a:xfrm>
-              <a:off x="6725443" y="2041354"/>
+              <a:off x="6725443" y="2526824"/>
               <a:ext cx="1122193" cy="45719"/>
             </a:xfrm>
             <a:custGeom>
@@ -7493,7 +7984,7 @@
           </p:nvSpPr>
           <p:spPr bwMode="auto">
             <a:xfrm>
-              <a:off x="7774508" y="3419708"/>
+              <a:off x="7774508" y="3905178"/>
               <a:ext cx="312906" cy="369332"/>
             </a:xfrm>
             <a:prstGeom prst="rect">
@@ -7669,7 +8160,7 @@
           </p:nvSpPr>
           <p:spPr bwMode="auto">
             <a:xfrm>
-              <a:off x="7740352" y="4006850"/>
+              <a:off x="7740352" y="4492320"/>
               <a:ext cx="441146" cy="369332"/>
             </a:xfrm>
             <a:prstGeom prst="rect">
@@ -7845,7 +8336,7 @@
           </p:nvSpPr>
           <p:spPr bwMode="auto">
             <a:xfrm>
-              <a:off x="1907704" y="3665665"/>
+              <a:off x="1907704" y="4151135"/>
               <a:ext cx="979755" cy="369332"/>
             </a:xfrm>
             <a:prstGeom prst="rect">
@@ -8019,7 +8510,7 @@
           </p:nvSpPr>
           <p:spPr>
             <a:xfrm>
-              <a:off x="6306153" y="3062981"/>
+              <a:off x="6306153" y="3548451"/>
               <a:ext cx="619657" cy="369332"/>
             </a:xfrm>
             <a:prstGeom prst="rect">
@@ -8051,7 +8542,7 @@
           </p:nvSpPr>
           <p:spPr bwMode="auto">
             <a:xfrm>
-              <a:off x="6228184" y="3665033"/>
+              <a:off x="6228184" y="4150503"/>
               <a:ext cx="697627" cy="369332"/>
             </a:xfrm>
             <a:prstGeom prst="rect">
@@ -8225,7 +8716,7 @@
           </p:nvSpPr>
           <p:spPr>
             <a:xfrm>
-              <a:off x="2152143" y="3059668"/>
+              <a:off x="2152143" y="3545138"/>
               <a:ext cx="619657" cy="369332"/>
             </a:xfrm>
             <a:prstGeom prst="rect">
@@ -8255,7 +8746,7 @@
           </p:nvSpPr>
           <p:spPr>
             <a:xfrm flipH="1">
-              <a:off x="6725444" y="2317750"/>
+              <a:off x="6725444" y="2803220"/>
               <a:ext cx="1130454" cy="1689100"/>
             </a:xfrm>
             <a:custGeom>
@@ -8358,7 +8849,7 @@
           </p:nvSpPr>
           <p:spPr>
             <a:xfrm>
-              <a:off x="1187624" y="2924944"/>
+              <a:off x="1187624" y="3410414"/>
               <a:ext cx="734047" cy="369332"/>
             </a:xfrm>
             <a:prstGeom prst="rect">
@@ -8389,7 +8880,7 @@
           </p:nvSpPr>
           <p:spPr bwMode="auto">
             <a:xfrm>
-              <a:off x="582145" y="3923764"/>
+              <a:off x="582145" y="4409234"/>
               <a:ext cx="825867" cy="369332"/>
             </a:xfrm>
             <a:prstGeom prst="rect">
@@ -8563,7 +9054,7 @@
           </p:nvSpPr>
           <p:spPr>
             <a:xfrm>
-              <a:off x="755576" y="2078454"/>
+              <a:off x="755576" y="2563924"/>
               <a:ext cx="1396567" cy="1845310"/>
             </a:xfrm>
             <a:custGeom>
@@ -8760,7 +9251,7 @@
           </p:nvSpPr>
           <p:spPr>
             <a:xfrm>
-              <a:off x="886845" y="1778518"/>
+              <a:off x="886845" y="2263988"/>
               <a:ext cx="876843" cy="369332"/>
             </a:xfrm>
             <a:prstGeom prst="rect">
@@ -8783,15 +9274,15 @@
         </p:sp>
         <p:grpSp>
           <p:nvGrpSpPr>
-            <p:cNvPr id="6" name="Group 5"/>
+            <p:cNvPr id="76" name="Group 75"/>
             <p:cNvGrpSpPr/>
             <p:nvPr/>
           </p:nvGrpSpPr>
           <p:grpSpPr>
             <a:xfrm>
-              <a:off x="2720792" y="972471"/>
+              <a:off x="2720792" y="1457941"/>
               <a:ext cx="835744" cy="3433697"/>
-              <a:chOff x="2720792" y="972471"/>
+              <a:chOff x="2720792" y="1457941"/>
               <a:chExt cx="835744" cy="3433697"/>
             </a:xfrm>
           </p:grpSpPr>
@@ -8805,7 +9296,7 @@
             </p:nvSpPr>
             <p:spPr bwMode="auto">
               <a:xfrm rot="5086177">
-                <a:off x="1421815" y="2271448"/>
+                <a:off x="1421815" y="2756918"/>
                 <a:ext cx="3433697" cy="835744"/>
               </a:xfrm>
               <a:custGeom>
@@ -8883,20 +9374,181 @@
               </a:p>
             </p:txBody>
           </p:sp>
-          <p:cxnSp>
-            <p:nvCxnSpPr>
-              <p:cNvPr id="87" name="Straight Arrow Connector 86"/>
-              <p:cNvCxnSpPr/>
+          <p:grpSp>
+            <p:nvGrpSpPr>
+              <p:cNvPr id="120" name="Group 119"/>
+              <p:cNvGrpSpPr/>
               <p:nvPr/>
-            </p:nvCxnSpPr>
-            <p:spPr>
-              <a:xfrm>
-                <a:off x="3339123" y="1747758"/>
-                <a:ext cx="2045" cy="4519"/>
+            </p:nvGrpSpPr>
+            <p:grpSpPr>
+              <a:xfrm rot="19782342" flipV="1">
+                <a:off x="3251713" y="2048231"/>
+                <a:ext cx="96015" cy="196091"/>
+                <a:chOff x="2843808" y="2132856"/>
+                <a:chExt cx="113535" cy="216024"/>
               </a:xfrm>
-              <a:prstGeom prst="straightConnector1">
+            </p:grpSpPr>
+            <p:sp>
+              <p:nvSpPr>
+                <p:cNvPr id="122" name="Arc 121"/>
+                <p:cNvSpPr/>
+                <p:nvPr/>
+              </p:nvSpPr>
+              <p:spPr>
+                <a:xfrm>
+                  <a:off x="2843809" y="2132856"/>
+                  <a:ext cx="113534" cy="216024"/>
+                </a:xfrm>
+                <a:prstGeom prst="arc">
+                  <a:avLst/>
+                </a:prstGeom>
+                <a:noFill/>
+                <a:ln w="9525">
+                  <a:solidFill>
+                    <a:srgbClr val="FF0000"/>
+                  </a:solidFill>
+                  <a:round/>
+                  <a:headEnd type="none" w="med" len="med"/>
+                  <a:tailEnd type="none" w="med" len="med"/>
+                </a:ln>
+                <a:extLst>
+                  <a:ext uri="{909E8E84-426E-40DD-AFC4-6F175D3DCCD1}">
+                    <a14:hiddenFill xmlns:a14="http://schemas.microsoft.com/office/drawing/2010/main">
+                      <a:solidFill>
+                        <a:srgbClr val="FFFFFF"/>
+                      </a:solidFill>
+                    </a14:hiddenFill>
+                  </a:ext>
+                </a:extLst>
+              </p:spPr>
+              <p:txBody>
+                <a:bodyPr rtlCol="0" anchor="ctr"/>
+                <a:lstStyle/>
+                <a:p>
+                  <a:pPr algn="ctr"/>
+                  <a:endParaRPr lang="en-CA"/>
+                </a:p>
+              </p:txBody>
+            </p:sp>
+            <p:sp>
+              <p:nvSpPr>
+                <p:cNvPr id="123" name="Arc 122"/>
+                <p:cNvSpPr/>
+                <p:nvPr/>
+              </p:nvSpPr>
+              <p:spPr>
+                <a:xfrm flipH="1">
+                  <a:off x="2843808" y="2132856"/>
+                  <a:ext cx="113534" cy="216024"/>
+                </a:xfrm>
+                <a:prstGeom prst="arc">
+                  <a:avLst/>
+                </a:prstGeom>
+                <a:noFill/>
+                <a:ln w="9525">
+                  <a:solidFill>
+                    <a:srgbClr val="FF0000"/>
+                  </a:solidFill>
+                  <a:round/>
+                  <a:headEnd type="none" w="med" len="med"/>
+                  <a:tailEnd type="none" w="med" len="med"/>
+                </a:ln>
+                <a:extLst>
+                  <a:ext uri="{909E8E84-426E-40DD-AFC4-6F175D3DCCD1}">
+                    <a14:hiddenFill xmlns:a14="http://schemas.microsoft.com/office/drawing/2010/main">
+                      <a:solidFill>
+                        <a:srgbClr val="FFFFFF"/>
+                      </a:solidFill>
+                    </a14:hiddenFill>
+                  </a:ext>
+                </a:extLst>
+              </p:spPr>
+              <p:txBody>
+                <a:bodyPr rtlCol="0" anchor="ctr"/>
+                <a:lstStyle/>
+                <a:p>
+                  <a:pPr algn="ctr"/>
+                  <a:endParaRPr lang="en-CA"/>
+                </a:p>
+              </p:txBody>
+            </p:sp>
+          </p:grpSp>
+        </p:grpSp>
+        <p:grpSp>
+          <p:nvGrpSpPr>
+            <p:cNvPr id="14" name="Group 13"/>
+            <p:cNvGrpSpPr/>
+            <p:nvPr/>
+          </p:nvGrpSpPr>
+          <p:grpSpPr>
+            <a:xfrm>
+              <a:off x="2600474" y="1512943"/>
+              <a:ext cx="166304" cy="2635467"/>
+              <a:chOff x="2600474" y="1512943"/>
+              <a:chExt cx="166304" cy="2635467"/>
+            </a:xfrm>
+          </p:grpSpPr>
+          <p:sp>
+            <p:nvSpPr>
+              <p:cNvPr id="105" name="Freeform 7"/>
+              <p:cNvSpPr>
+                <a:spLocks/>
+              </p:cNvSpPr>
+              <p:nvPr/>
+            </p:nvSpPr>
+            <p:spPr bwMode="auto">
+              <a:xfrm rot="5198554">
+                <a:off x="1365892" y="2747525"/>
+                <a:ext cx="2635467" cy="166304"/>
+              </a:xfrm>
+              <a:custGeom>
                 <a:avLst/>
-              </a:prstGeom>
+                <a:gdLst>
+                  <a:gd name="T0" fmla="*/ 0 w 1152"/>
+                  <a:gd name="T1" fmla="*/ 104 h 152"/>
+                  <a:gd name="T2" fmla="*/ 480 w 1152"/>
+                  <a:gd name="T3" fmla="*/ 8 h 152"/>
+                  <a:gd name="T4" fmla="*/ 1152 w 1152"/>
+                  <a:gd name="T5" fmla="*/ 152 h 152"/>
+                  <a:gd name="T6" fmla="*/ 0 60000 65536"/>
+                  <a:gd name="T7" fmla="*/ 0 60000 65536"/>
+                  <a:gd name="T8" fmla="*/ 0 60000 65536"/>
+                  <a:gd name="T9" fmla="*/ 0 w 1152"/>
+                  <a:gd name="T10" fmla="*/ 0 h 152"/>
+                  <a:gd name="T11" fmla="*/ 1152 w 1152"/>
+                  <a:gd name="T12" fmla="*/ 152 h 152"/>
+                </a:gdLst>
+                <a:ahLst/>
+                <a:cxnLst>
+                  <a:cxn ang="T6">
+                    <a:pos x="T0" y="T1"/>
+                  </a:cxn>
+                  <a:cxn ang="T7">
+                    <a:pos x="T2" y="T3"/>
+                  </a:cxn>
+                  <a:cxn ang="T8">
+                    <a:pos x="T4" y="T5"/>
+                  </a:cxn>
+                </a:cxnLst>
+                <a:rect l="T9" t="T10" r="T11" b="T12"/>
+                <a:pathLst>
+                  <a:path w="1152" h="152">
+                    <a:moveTo>
+                      <a:pt x="0" y="104"/>
+                    </a:moveTo>
+                    <a:cubicBezTo>
+                      <a:pt x="144" y="52"/>
+                      <a:pt x="288" y="0"/>
+                      <a:pt x="480" y="8"/>
+                    </a:cubicBezTo>
+                    <a:cubicBezTo>
+                      <a:pt x="672" y="16"/>
+                      <a:pt x="912" y="84"/>
+                      <a:pt x="1152" y="152"/>
+                    </a:cubicBezTo>
+                  </a:path>
+                </a:pathLst>
+              </a:custGeom>
               <a:noFill/>
               <a:ln w="9525">
                 <a:solidFill>
@@ -8916,19 +9568,527 @@
                 </a:ext>
               </a:extLst>
             </p:spPr>
-          </p:cxnSp>
+            <p:txBody>
+              <a:bodyPr/>
+              <a:lstStyle/>
+              <a:p>
+                <a:endParaRPr lang="en-CA"/>
+              </a:p>
+            </p:txBody>
+          </p:sp>
+          <p:grpSp>
+            <p:nvGrpSpPr>
+              <p:cNvPr id="124" name="Group 123"/>
+              <p:cNvGrpSpPr/>
+              <p:nvPr/>
+            </p:nvGrpSpPr>
+            <p:grpSpPr>
+              <a:xfrm rot="21000639" flipV="1">
+                <a:off x="2651508" y="2034814"/>
+                <a:ext cx="96015" cy="196091"/>
+                <a:chOff x="2843808" y="2132856"/>
+                <a:chExt cx="113535" cy="216024"/>
+              </a:xfrm>
+            </p:grpSpPr>
+            <p:sp>
+              <p:nvSpPr>
+                <p:cNvPr id="125" name="Arc 124"/>
+                <p:cNvSpPr/>
+                <p:nvPr/>
+              </p:nvSpPr>
+              <p:spPr>
+                <a:xfrm>
+                  <a:off x="2843809" y="2132856"/>
+                  <a:ext cx="113534" cy="216024"/>
+                </a:xfrm>
+                <a:prstGeom prst="arc">
+                  <a:avLst/>
+                </a:prstGeom>
+                <a:noFill/>
+                <a:ln w="9525">
+                  <a:solidFill>
+                    <a:srgbClr val="FF0000"/>
+                  </a:solidFill>
+                  <a:round/>
+                  <a:headEnd type="none" w="med" len="med"/>
+                  <a:tailEnd type="none" w="med" len="med"/>
+                </a:ln>
+                <a:extLst>
+                  <a:ext uri="{909E8E84-426E-40DD-AFC4-6F175D3DCCD1}">
+                    <a14:hiddenFill xmlns:a14="http://schemas.microsoft.com/office/drawing/2010/main">
+                      <a:solidFill>
+                        <a:srgbClr val="FFFFFF"/>
+                      </a:solidFill>
+                    </a14:hiddenFill>
+                  </a:ext>
+                </a:extLst>
+              </p:spPr>
+              <p:txBody>
+                <a:bodyPr rtlCol="0" anchor="ctr"/>
+                <a:lstStyle/>
+                <a:p>
+                  <a:pPr algn="ctr"/>
+                  <a:endParaRPr lang="en-CA"/>
+                </a:p>
+              </p:txBody>
+            </p:sp>
+            <p:sp>
+              <p:nvSpPr>
+                <p:cNvPr id="126" name="Arc 125"/>
+                <p:cNvSpPr/>
+                <p:nvPr/>
+              </p:nvSpPr>
+              <p:spPr>
+                <a:xfrm flipH="1">
+                  <a:off x="2843808" y="2132856"/>
+                  <a:ext cx="113534" cy="216024"/>
+                </a:xfrm>
+                <a:prstGeom prst="arc">
+                  <a:avLst/>
+                </a:prstGeom>
+                <a:noFill/>
+                <a:ln w="9525">
+                  <a:solidFill>
+                    <a:srgbClr val="FF0000"/>
+                  </a:solidFill>
+                  <a:round/>
+                  <a:headEnd type="none" w="med" len="med"/>
+                  <a:tailEnd type="none" w="med" len="med"/>
+                </a:ln>
+                <a:extLst>
+                  <a:ext uri="{909E8E84-426E-40DD-AFC4-6F175D3DCCD1}">
+                    <a14:hiddenFill xmlns:a14="http://schemas.microsoft.com/office/drawing/2010/main">
+                      <a:solidFill>
+                        <a:srgbClr val="FFFFFF"/>
+                      </a:solidFill>
+                    </a14:hiddenFill>
+                  </a:ext>
+                </a:extLst>
+              </p:spPr>
+              <p:txBody>
+                <a:bodyPr rtlCol="0" anchor="ctr"/>
+                <a:lstStyle/>
+                <a:p>
+                  <a:pPr algn="ctr"/>
+                  <a:endParaRPr lang="en-CA"/>
+                </a:p>
+              </p:txBody>
+            </p:sp>
+          </p:grpSp>
         </p:grpSp>
         <p:grpSp>
           <p:nvGrpSpPr>
-            <p:cNvPr id="9" name="Group 8"/>
+            <p:cNvPr id="77" name="Group 76"/>
             <p:cNvGrpSpPr/>
             <p:nvPr/>
           </p:nvGrpSpPr>
           <p:grpSpPr>
             <a:xfrm>
-              <a:off x="4707646" y="1380665"/>
+              <a:off x="1504654" y="1477633"/>
+              <a:ext cx="1005324" cy="3142207"/>
+              <a:chOff x="1504654" y="1477633"/>
+              <a:chExt cx="1005324" cy="3142207"/>
+            </a:xfrm>
+          </p:grpSpPr>
+          <p:sp>
+            <p:nvSpPr>
+              <p:cNvPr id="102" name="Freeform 7"/>
+              <p:cNvSpPr>
+                <a:spLocks/>
+              </p:cNvSpPr>
+              <p:nvPr/>
+            </p:nvSpPr>
+            <p:spPr bwMode="auto">
+              <a:xfrm rot="6472510">
+                <a:off x="372604" y="2609683"/>
+                <a:ext cx="3142207" cy="878107"/>
+              </a:xfrm>
+              <a:custGeom>
+                <a:avLst/>
+                <a:gdLst>
+                  <a:gd name="T0" fmla="*/ 0 w 1152"/>
+                  <a:gd name="T1" fmla="*/ 104 h 152"/>
+                  <a:gd name="T2" fmla="*/ 480 w 1152"/>
+                  <a:gd name="T3" fmla="*/ 8 h 152"/>
+                  <a:gd name="T4" fmla="*/ 1152 w 1152"/>
+                  <a:gd name="T5" fmla="*/ 152 h 152"/>
+                  <a:gd name="T6" fmla="*/ 0 60000 65536"/>
+                  <a:gd name="T7" fmla="*/ 0 60000 65536"/>
+                  <a:gd name="T8" fmla="*/ 0 60000 65536"/>
+                  <a:gd name="T9" fmla="*/ 0 w 1152"/>
+                  <a:gd name="T10" fmla="*/ 0 h 152"/>
+                  <a:gd name="T11" fmla="*/ 1152 w 1152"/>
+                  <a:gd name="T12" fmla="*/ 152 h 152"/>
+                </a:gdLst>
+                <a:ahLst/>
+                <a:cxnLst>
+                  <a:cxn ang="T6">
+                    <a:pos x="T0" y="T1"/>
+                  </a:cxn>
+                  <a:cxn ang="T7">
+                    <a:pos x="T2" y="T3"/>
+                  </a:cxn>
+                  <a:cxn ang="T8">
+                    <a:pos x="T4" y="T5"/>
+                  </a:cxn>
+                </a:cxnLst>
+                <a:rect l="T9" t="T10" r="T11" b="T12"/>
+                <a:pathLst>
+                  <a:path w="1152" h="152">
+                    <a:moveTo>
+                      <a:pt x="0" y="104"/>
+                    </a:moveTo>
+                    <a:cubicBezTo>
+                      <a:pt x="144" y="52"/>
+                      <a:pt x="288" y="0"/>
+                      <a:pt x="480" y="8"/>
+                    </a:cubicBezTo>
+                    <a:cubicBezTo>
+                      <a:pt x="672" y="16"/>
+                      <a:pt x="912" y="84"/>
+                      <a:pt x="1152" y="152"/>
+                    </a:cubicBezTo>
+                  </a:path>
+                </a:pathLst>
+              </a:custGeom>
+              <a:noFill/>
+              <a:ln w="9525">
+                <a:solidFill>
+                  <a:srgbClr val="FF0000"/>
+                </a:solidFill>
+                <a:round/>
+                <a:headEnd type="none" w="med" len="med"/>
+                <a:tailEnd type="arrow" w="med" len="med"/>
+              </a:ln>
+              <a:extLst>
+                <a:ext uri="{909E8E84-426E-40DD-AFC4-6F175D3DCCD1}">
+                  <a14:hiddenFill xmlns:a14="http://schemas.microsoft.com/office/drawing/2010/main">
+                    <a:solidFill>
+                      <a:srgbClr val="FFFFFF"/>
+                    </a:solidFill>
+                  </a14:hiddenFill>
+                </a:ext>
+              </a:extLst>
+            </p:spPr>
+            <p:txBody>
+              <a:bodyPr/>
+              <a:lstStyle/>
+              <a:p>
+                <a:endParaRPr lang="en-CA"/>
+              </a:p>
+            </p:txBody>
+          </p:sp>
+          <p:grpSp>
+            <p:nvGrpSpPr>
+              <p:cNvPr id="127" name="Group 126"/>
+              <p:cNvGrpSpPr/>
+              <p:nvPr/>
+            </p:nvGrpSpPr>
+            <p:grpSpPr>
+              <a:xfrm rot="21037351" flipV="1">
+                <a:off x="2413963" y="2035144"/>
+                <a:ext cx="96015" cy="196091"/>
+                <a:chOff x="2843808" y="2132856"/>
+                <a:chExt cx="113535" cy="216024"/>
+              </a:xfrm>
+            </p:grpSpPr>
+            <p:sp>
+              <p:nvSpPr>
+                <p:cNvPr id="128" name="Arc 127"/>
+                <p:cNvSpPr/>
+                <p:nvPr/>
+              </p:nvSpPr>
+              <p:spPr>
+                <a:xfrm>
+                  <a:off x="2843809" y="2132856"/>
+                  <a:ext cx="113534" cy="216024"/>
+                </a:xfrm>
+                <a:prstGeom prst="arc">
+                  <a:avLst/>
+                </a:prstGeom>
+                <a:noFill/>
+                <a:ln w="9525">
+                  <a:solidFill>
+                    <a:srgbClr val="FF0000"/>
+                  </a:solidFill>
+                  <a:round/>
+                  <a:headEnd type="none" w="med" len="med"/>
+                  <a:tailEnd type="none" w="med" len="med"/>
+                </a:ln>
+                <a:extLst>
+                  <a:ext uri="{909E8E84-426E-40DD-AFC4-6F175D3DCCD1}">
+                    <a14:hiddenFill xmlns:a14="http://schemas.microsoft.com/office/drawing/2010/main">
+                      <a:solidFill>
+                        <a:srgbClr val="FFFFFF"/>
+                      </a:solidFill>
+                    </a14:hiddenFill>
+                  </a:ext>
+                </a:extLst>
+              </p:spPr>
+              <p:txBody>
+                <a:bodyPr rtlCol="0" anchor="ctr"/>
+                <a:lstStyle/>
+                <a:p>
+                  <a:pPr algn="ctr"/>
+                  <a:endParaRPr lang="en-CA"/>
+                </a:p>
+              </p:txBody>
+            </p:sp>
+            <p:sp>
+              <p:nvSpPr>
+                <p:cNvPr id="129" name="Arc 128"/>
+                <p:cNvSpPr/>
+                <p:nvPr/>
+              </p:nvSpPr>
+              <p:spPr>
+                <a:xfrm flipH="1">
+                  <a:off x="2843808" y="2132856"/>
+                  <a:ext cx="113534" cy="216024"/>
+                </a:xfrm>
+                <a:prstGeom prst="arc">
+                  <a:avLst/>
+                </a:prstGeom>
+                <a:noFill/>
+                <a:ln w="9525">
+                  <a:solidFill>
+                    <a:srgbClr val="FF0000"/>
+                  </a:solidFill>
+                  <a:round/>
+                  <a:headEnd type="none" w="med" len="med"/>
+                  <a:tailEnd type="none" w="med" len="med"/>
+                </a:ln>
+                <a:extLst>
+                  <a:ext uri="{909E8E84-426E-40DD-AFC4-6F175D3DCCD1}">
+                    <a14:hiddenFill xmlns:a14="http://schemas.microsoft.com/office/drawing/2010/main">
+                      <a:solidFill>
+                        <a:srgbClr val="FFFFFF"/>
+                      </a:solidFill>
+                    </a14:hiddenFill>
+                  </a:ext>
+                </a:extLst>
+              </p:spPr>
+              <p:txBody>
+                <a:bodyPr rtlCol="0" anchor="ctr"/>
+                <a:lstStyle/>
+                <a:p>
+                  <a:pPr algn="ctr"/>
+                  <a:endParaRPr lang="en-CA"/>
+                </a:p>
+              </p:txBody>
+            </p:sp>
+          </p:grpSp>
+        </p:grpSp>
+        <p:grpSp>
+          <p:nvGrpSpPr>
+            <p:cNvPr id="84" name="Group 83"/>
+            <p:cNvGrpSpPr/>
+            <p:nvPr/>
+          </p:nvGrpSpPr>
+          <p:grpSpPr>
+            <a:xfrm>
+              <a:off x="5528555" y="1480530"/>
+              <a:ext cx="607710" cy="3715477"/>
+              <a:chOff x="5528555" y="1480530"/>
+              <a:chExt cx="607710" cy="3715477"/>
+            </a:xfrm>
+          </p:grpSpPr>
+          <p:sp>
+            <p:nvSpPr>
+              <p:cNvPr id="93" name="Freeform 7"/>
+              <p:cNvSpPr>
+                <a:spLocks/>
+              </p:cNvSpPr>
+              <p:nvPr/>
+            </p:nvSpPr>
+            <p:spPr bwMode="auto">
+              <a:xfrm rot="16401446" flipH="1">
+                <a:off x="3974671" y="3034414"/>
+                <a:ext cx="3715477" cy="607710"/>
+              </a:xfrm>
+              <a:custGeom>
+                <a:avLst/>
+                <a:gdLst>
+                  <a:gd name="T0" fmla="*/ 0 w 1152"/>
+                  <a:gd name="T1" fmla="*/ 104 h 152"/>
+                  <a:gd name="T2" fmla="*/ 480 w 1152"/>
+                  <a:gd name="T3" fmla="*/ 8 h 152"/>
+                  <a:gd name="T4" fmla="*/ 1152 w 1152"/>
+                  <a:gd name="T5" fmla="*/ 152 h 152"/>
+                  <a:gd name="T6" fmla="*/ 0 60000 65536"/>
+                  <a:gd name="T7" fmla="*/ 0 60000 65536"/>
+                  <a:gd name="T8" fmla="*/ 0 60000 65536"/>
+                  <a:gd name="T9" fmla="*/ 0 w 1152"/>
+                  <a:gd name="T10" fmla="*/ 0 h 152"/>
+                  <a:gd name="T11" fmla="*/ 1152 w 1152"/>
+                  <a:gd name="T12" fmla="*/ 152 h 152"/>
+                </a:gdLst>
+                <a:ahLst/>
+                <a:cxnLst>
+                  <a:cxn ang="T6">
+                    <a:pos x="T0" y="T1"/>
+                  </a:cxn>
+                  <a:cxn ang="T7">
+                    <a:pos x="T2" y="T3"/>
+                  </a:cxn>
+                  <a:cxn ang="T8">
+                    <a:pos x="T4" y="T5"/>
+                  </a:cxn>
+                </a:cxnLst>
+                <a:rect l="T9" t="T10" r="T11" b="T12"/>
+                <a:pathLst>
+                  <a:path w="1152" h="152">
+                    <a:moveTo>
+                      <a:pt x="0" y="104"/>
+                    </a:moveTo>
+                    <a:cubicBezTo>
+                      <a:pt x="144" y="52"/>
+                      <a:pt x="288" y="0"/>
+                      <a:pt x="480" y="8"/>
+                    </a:cubicBezTo>
+                    <a:cubicBezTo>
+                      <a:pt x="672" y="16"/>
+                      <a:pt x="912" y="84"/>
+                      <a:pt x="1152" y="152"/>
+                    </a:cubicBezTo>
+                  </a:path>
+                </a:pathLst>
+              </a:custGeom>
+              <a:noFill/>
+              <a:ln w="9525">
+                <a:solidFill>
+                  <a:srgbClr val="00B050"/>
+                </a:solidFill>
+                <a:round/>
+                <a:headEnd type="none" w="med" len="med"/>
+                <a:tailEnd type="arrow" w="med" len="med"/>
+              </a:ln>
+              <a:extLst>
+                <a:ext uri="{909E8E84-426E-40DD-AFC4-6F175D3DCCD1}">
+                  <a14:hiddenFill xmlns:a14="http://schemas.microsoft.com/office/drawing/2010/main">
+                    <a:solidFill>
+                      <a:srgbClr val="FFFFFF"/>
+                    </a:solidFill>
+                  </a14:hiddenFill>
+                </a:ext>
+              </a:extLst>
+            </p:spPr>
+            <p:txBody>
+              <a:bodyPr/>
+              <a:lstStyle/>
+              <a:p>
+                <a:endParaRPr lang="en-CA"/>
+              </a:p>
+            </p:txBody>
+          </p:sp>
+          <p:grpSp>
+            <p:nvGrpSpPr>
+              <p:cNvPr id="130" name="Group 129"/>
+              <p:cNvGrpSpPr/>
+              <p:nvPr/>
+            </p:nvGrpSpPr>
+            <p:grpSpPr>
+              <a:xfrm rot="1372782" flipV="1">
+                <a:off x="5702049" y="2039583"/>
+                <a:ext cx="96015" cy="196091"/>
+                <a:chOff x="2843808" y="2132856"/>
+                <a:chExt cx="113535" cy="216024"/>
+              </a:xfrm>
+            </p:grpSpPr>
+            <p:sp>
+              <p:nvSpPr>
+                <p:cNvPr id="131" name="Arc 130"/>
+                <p:cNvSpPr/>
+                <p:nvPr/>
+              </p:nvSpPr>
+              <p:spPr>
+                <a:xfrm>
+                  <a:off x="2843809" y="2132856"/>
+                  <a:ext cx="113534" cy="216024"/>
+                </a:xfrm>
+                <a:prstGeom prst="arc">
+                  <a:avLst/>
+                </a:prstGeom>
+                <a:noFill/>
+                <a:ln w="9525">
+                  <a:solidFill>
+                    <a:srgbClr val="00B050"/>
+                  </a:solidFill>
+                  <a:round/>
+                  <a:headEnd type="none" w="med" len="med"/>
+                  <a:tailEnd type="none" w="med" len="med"/>
+                </a:ln>
+                <a:extLst>
+                  <a:ext uri="{909E8E84-426E-40DD-AFC4-6F175D3DCCD1}">
+                    <a14:hiddenFill xmlns:a14="http://schemas.microsoft.com/office/drawing/2010/main">
+                      <a:solidFill>
+                        <a:srgbClr val="FFFFFF"/>
+                      </a:solidFill>
+                    </a14:hiddenFill>
+                  </a:ext>
+                </a:extLst>
+              </p:spPr>
+              <p:txBody>
+                <a:bodyPr/>
+                <a:lstStyle/>
+                <a:p>
+                  <a:endParaRPr lang="en-CA"/>
+                </a:p>
+              </p:txBody>
+            </p:sp>
+            <p:sp>
+              <p:nvSpPr>
+                <p:cNvPr id="132" name="Arc 131"/>
+                <p:cNvSpPr/>
+                <p:nvPr/>
+              </p:nvSpPr>
+              <p:spPr>
+                <a:xfrm flipH="1">
+                  <a:off x="2843808" y="2132856"/>
+                  <a:ext cx="113534" cy="216024"/>
+                </a:xfrm>
+                <a:prstGeom prst="arc">
+                  <a:avLst/>
+                </a:prstGeom>
+                <a:noFill/>
+                <a:ln w="9525">
+                  <a:solidFill>
+                    <a:srgbClr val="00B050"/>
+                  </a:solidFill>
+                  <a:round/>
+                  <a:headEnd type="none" w="med" len="med"/>
+                  <a:tailEnd type="none" w="med" len="med"/>
+                </a:ln>
+                <a:extLst>
+                  <a:ext uri="{909E8E84-426E-40DD-AFC4-6F175D3DCCD1}">
+                    <a14:hiddenFill xmlns:a14="http://schemas.microsoft.com/office/drawing/2010/main">
+                      <a:solidFill>
+                        <a:srgbClr val="FFFFFF"/>
+                      </a:solidFill>
+                    </a14:hiddenFill>
+                  </a:ext>
+                </a:extLst>
+              </p:spPr>
+              <p:txBody>
+                <a:bodyPr/>
+                <a:lstStyle/>
+                <a:p>
+                  <a:endParaRPr lang="en-CA"/>
+                </a:p>
+              </p:txBody>
+            </p:sp>
+          </p:grpSp>
+        </p:grpSp>
+        <p:grpSp>
+          <p:nvGrpSpPr>
+            <p:cNvPr id="78" name="Group 77"/>
+            <p:cNvGrpSpPr/>
+            <p:nvPr/>
+          </p:nvGrpSpPr>
+          <p:grpSpPr>
+            <a:xfrm>
+              <a:off x="4707646" y="1866135"/>
               <a:ext cx="358403" cy="2183729"/>
-              <a:chOff x="4707646" y="1380665"/>
+              <a:chOff x="4707646" y="1866135"/>
               <a:chExt cx="358403" cy="2183729"/>
             </a:xfrm>
           </p:grpSpPr>
@@ -8942,7 +10102,7 @@
             </p:nvSpPr>
             <p:spPr bwMode="auto">
               <a:xfrm rot="5198554">
-                <a:off x="3794983" y="2293328"/>
+                <a:off x="3794983" y="2778798"/>
                 <a:ext cx="2183729" cy="358403"/>
               </a:xfrm>
               <a:custGeom>
@@ -9022,465 +10182,119 @@
               </a:p>
             </p:txBody>
           </p:sp>
-          <p:cxnSp>
-            <p:nvCxnSpPr>
-              <p:cNvPr id="116" name="Straight Arrow Connector 115"/>
-              <p:cNvCxnSpPr/>
+          <p:grpSp>
+            <p:nvGrpSpPr>
+              <p:cNvPr id="133" name="Group 132"/>
+              <p:cNvGrpSpPr/>
               <p:nvPr/>
-            </p:nvCxnSpPr>
-            <p:spPr>
-              <a:xfrm>
-                <a:off x="4915803" y="1717431"/>
-                <a:ext cx="12063" cy="38754"/>
+            </p:nvGrpSpPr>
+            <p:grpSpPr>
+              <a:xfrm rot="19896579" flipV="1">
+                <a:off x="4836708" y="2041977"/>
+                <a:ext cx="96015" cy="196091"/>
+                <a:chOff x="2843808" y="2132856"/>
+                <a:chExt cx="113535" cy="216024"/>
               </a:xfrm>
-              <a:prstGeom prst="straightConnector1">
-                <a:avLst/>
-              </a:prstGeom>
-              <a:noFill/>
-              <a:ln w="9525">
-                <a:solidFill>
-                  <a:schemeClr val="accent6">
-                    <a:lumMod val="50000"/>
-                  </a:schemeClr>
-                </a:solidFill>
-                <a:round/>
-                <a:headEnd type="none" w="med" len="med"/>
-                <a:tailEnd type="arrow" w="med" len="med"/>
-              </a:ln>
-              <a:extLst>
-                <a:ext uri="{909E8E84-426E-40DD-AFC4-6F175D3DCCD1}">
-                  <a14:hiddenFill xmlns:a14="http://schemas.microsoft.com/office/drawing/2010/main">
-                    <a:solidFill>
-                      <a:srgbClr val="FFFFFF"/>
-                    </a:solidFill>
-                  </a14:hiddenFill>
-                </a:ext>
-              </a:extLst>
-            </p:spPr>
-          </p:cxnSp>
+            </p:grpSpPr>
+            <p:sp>
+              <p:nvSpPr>
+                <p:cNvPr id="134" name="Arc 133"/>
+                <p:cNvSpPr/>
+                <p:nvPr/>
+              </p:nvSpPr>
+              <p:spPr>
+                <a:xfrm>
+                  <a:off x="2843809" y="2132856"/>
+                  <a:ext cx="113534" cy="216024"/>
+                </a:xfrm>
+                <a:prstGeom prst="arc">
+                  <a:avLst/>
+                </a:prstGeom>
+                <a:noFill/>
+                <a:ln w="9525">
+                  <a:solidFill>
+                    <a:schemeClr val="accent6">
+                      <a:lumMod val="50000"/>
+                    </a:schemeClr>
+                  </a:solidFill>
+                  <a:round/>
+                  <a:headEnd type="none" w="med" len="med"/>
+                  <a:tailEnd type="none" w="med" len="med"/>
+                </a:ln>
+                <a:extLst>
+                  <a:ext uri="{909E8E84-426E-40DD-AFC4-6F175D3DCCD1}">
+                    <a14:hiddenFill xmlns:a14="http://schemas.microsoft.com/office/drawing/2010/main">
+                      <a:solidFill>
+                        <a:srgbClr val="FFFFFF"/>
+                      </a:solidFill>
+                    </a14:hiddenFill>
+                  </a:ext>
+                </a:extLst>
+              </p:spPr>
+              <p:txBody>
+                <a:bodyPr/>
+                <a:lstStyle/>
+                <a:p>
+                  <a:endParaRPr lang="en-CA"/>
+                </a:p>
+              </p:txBody>
+            </p:sp>
+            <p:sp>
+              <p:nvSpPr>
+                <p:cNvPr id="135" name="Arc 134"/>
+                <p:cNvSpPr/>
+                <p:nvPr/>
+              </p:nvSpPr>
+              <p:spPr>
+                <a:xfrm flipH="1">
+                  <a:off x="2843808" y="2132856"/>
+                  <a:ext cx="113534" cy="216024"/>
+                </a:xfrm>
+                <a:prstGeom prst="arc">
+                  <a:avLst/>
+                </a:prstGeom>
+                <a:noFill/>
+                <a:ln w="9525">
+                  <a:solidFill>
+                    <a:schemeClr val="accent6">
+                      <a:lumMod val="50000"/>
+                    </a:schemeClr>
+                  </a:solidFill>
+                  <a:round/>
+                  <a:headEnd type="none" w="med" len="med"/>
+                  <a:tailEnd type="none" w="med" len="med"/>
+                </a:ln>
+                <a:extLst>
+                  <a:ext uri="{909E8E84-426E-40DD-AFC4-6F175D3DCCD1}">
+                    <a14:hiddenFill xmlns:a14="http://schemas.microsoft.com/office/drawing/2010/main">
+                      <a:solidFill>
+                        <a:srgbClr val="FFFFFF"/>
+                      </a:solidFill>
+                    </a14:hiddenFill>
+                  </a:ext>
+                </a:extLst>
+              </p:spPr>
+              <p:txBody>
+                <a:bodyPr/>
+                <a:lstStyle/>
+                <a:p>
+                  <a:endParaRPr lang="en-CA"/>
+                </a:p>
+              </p:txBody>
+            </p:sp>
+          </p:grpSp>
         </p:grpSp>
         <p:grpSp>
           <p:nvGrpSpPr>
-            <p:cNvPr id="4" name="Group 3"/>
+            <p:cNvPr id="101" name="Group 100"/>
             <p:cNvGrpSpPr/>
             <p:nvPr/>
           </p:nvGrpSpPr>
           <p:grpSpPr>
             <a:xfrm>
-              <a:off x="2600474" y="1027473"/>
-              <a:ext cx="166304" cy="2635467"/>
-              <a:chOff x="2600474" y="1027473"/>
-              <a:chExt cx="166304" cy="2635467"/>
-            </a:xfrm>
-          </p:grpSpPr>
-          <p:sp>
-            <p:nvSpPr>
-              <p:cNvPr id="105" name="Freeform 7"/>
-              <p:cNvSpPr>
-                <a:spLocks/>
-              </p:cNvSpPr>
-              <p:nvPr/>
-            </p:nvSpPr>
-            <p:spPr bwMode="auto">
-              <a:xfrm rot="5198554">
-                <a:off x="1365892" y="2262055"/>
-                <a:ext cx="2635467" cy="166304"/>
-              </a:xfrm>
-              <a:custGeom>
-                <a:avLst/>
-                <a:gdLst>
-                  <a:gd name="T0" fmla="*/ 0 w 1152"/>
-                  <a:gd name="T1" fmla="*/ 104 h 152"/>
-                  <a:gd name="T2" fmla="*/ 480 w 1152"/>
-                  <a:gd name="T3" fmla="*/ 8 h 152"/>
-                  <a:gd name="T4" fmla="*/ 1152 w 1152"/>
-                  <a:gd name="T5" fmla="*/ 152 h 152"/>
-                  <a:gd name="T6" fmla="*/ 0 60000 65536"/>
-                  <a:gd name="T7" fmla="*/ 0 60000 65536"/>
-                  <a:gd name="T8" fmla="*/ 0 60000 65536"/>
-                  <a:gd name="T9" fmla="*/ 0 w 1152"/>
-                  <a:gd name="T10" fmla="*/ 0 h 152"/>
-                  <a:gd name="T11" fmla="*/ 1152 w 1152"/>
-                  <a:gd name="T12" fmla="*/ 152 h 152"/>
-                </a:gdLst>
-                <a:ahLst/>
-                <a:cxnLst>
-                  <a:cxn ang="T6">
-                    <a:pos x="T0" y="T1"/>
-                  </a:cxn>
-                  <a:cxn ang="T7">
-                    <a:pos x="T2" y="T3"/>
-                  </a:cxn>
-                  <a:cxn ang="T8">
-                    <a:pos x="T4" y="T5"/>
-                  </a:cxn>
-                </a:cxnLst>
-                <a:rect l="T9" t="T10" r="T11" b="T12"/>
-                <a:pathLst>
-                  <a:path w="1152" h="152">
-                    <a:moveTo>
-                      <a:pt x="0" y="104"/>
-                    </a:moveTo>
-                    <a:cubicBezTo>
-                      <a:pt x="144" y="52"/>
-                      <a:pt x="288" y="0"/>
-                      <a:pt x="480" y="8"/>
-                    </a:cubicBezTo>
-                    <a:cubicBezTo>
-                      <a:pt x="672" y="16"/>
-                      <a:pt x="912" y="84"/>
-                      <a:pt x="1152" y="152"/>
-                    </a:cubicBezTo>
-                  </a:path>
-                </a:pathLst>
-              </a:custGeom>
-              <a:noFill/>
-              <a:ln w="9525">
-                <a:solidFill>
-                  <a:srgbClr val="FF0000"/>
-                </a:solidFill>
-                <a:round/>
-                <a:headEnd type="none" w="med" len="med"/>
-                <a:tailEnd type="arrow" w="med" len="med"/>
-              </a:ln>
-              <a:extLst>
-                <a:ext uri="{909E8E84-426E-40DD-AFC4-6F175D3DCCD1}">
-                  <a14:hiddenFill xmlns:a14="http://schemas.microsoft.com/office/drawing/2010/main">
-                    <a:solidFill>
-                      <a:srgbClr val="FFFFFF"/>
-                    </a:solidFill>
-                  </a14:hiddenFill>
-                </a:ext>
-              </a:extLst>
-            </p:spPr>
-            <p:txBody>
-              <a:bodyPr/>
-              <a:lstStyle/>
-              <a:p>
-                <a:endParaRPr lang="en-CA"/>
-              </a:p>
-            </p:txBody>
-          </p:sp>
-          <p:cxnSp>
-            <p:nvCxnSpPr>
-              <p:cNvPr id="117" name="Straight Arrow Connector 116"/>
-              <p:cNvCxnSpPr/>
-              <p:nvPr/>
-            </p:nvCxnSpPr>
-            <p:spPr>
-              <a:xfrm>
-                <a:off x="2715846" y="1742716"/>
-                <a:ext cx="1948" cy="12516"/>
-              </a:xfrm>
-              <a:prstGeom prst="straightConnector1">
-                <a:avLst/>
-              </a:prstGeom>
-              <a:noFill/>
-              <a:ln w="9525">
-                <a:solidFill>
-                  <a:srgbClr val="FF0000"/>
-                </a:solidFill>
-                <a:round/>
-                <a:headEnd type="none" w="med" len="med"/>
-                <a:tailEnd type="arrow" w="med" len="med"/>
-              </a:ln>
-              <a:extLst>
-                <a:ext uri="{909E8E84-426E-40DD-AFC4-6F175D3DCCD1}">
-                  <a14:hiddenFill xmlns:a14="http://schemas.microsoft.com/office/drawing/2010/main">
-                    <a:solidFill>
-                      <a:srgbClr val="FFFFFF"/>
-                    </a:solidFill>
-                  </a14:hiddenFill>
-                </a:ext>
-              </a:extLst>
-            </p:spPr>
-          </p:cxnSp>
-        </p:grpSp>
-        <p:grpSp>
-          <p:nvGrpSpPr>
-            <p:cNvPr id="3" name="Group 2"/>
-            <p:cNvGrpSpPr/>
-            <p:nvPr/>
-          </p:nvGrpSpPr>
-          <p:grpSpPr>
-            <a:xfrm>
-              <a:off x="1504654" y="992163"/>
-              <a:ext cx="975319" cy="3142207"/>
-              <a:chOff x="1504654" y="992163"/>
-              <a:chExt cx="975319" cy="3142207"/>
-            </a:xfrm>
-          </p:grpSpPr>
-          <p:sp>
-            <p:nvSpPr>
-              <p:cNvPr id="102" name="Freeform 7"/>
-              <p:cNvSpPr>
-                <a:spLocks/>
-              </p:cNvSpPr>
-              <p:nvPr/>
-            </p:nvSpPr>
-            <p:spPr bwMode="auto">
-              <a:xfrm rot="6472510">
-                <a:off x="372604" y="2124213"/>
-                <a:ext cx="3142207" cy="878107"/>
-              </a:xfrm>
-              <a:custGeom>
-                <a:avLst/>
-                <a:gdLst>
-                  <a:gd name="T0" fmla="*/ 0 w 1152"/>
-                  <a:gd name="T1" fmla="*/ 104 h 152"/>
-                  <a:gd name="T2" fmla="*/ 480 w 1152"/>
-                  <a:gd name="T3" fmla="*/ 8 h 152"/>
-                  <a:gd name="T4" fmla="*/ 1152 w 1152"/>
-                  <a:gd name="T5" fmla="*/ 152 h 152"/>
-                  <a:gd name="T6" fmla="*/ 0 60000 65536"/>
-                  <a:gd name="T7" fmla="*/ 0 60000 65536"/>
-                  <a:gd name="T8" fmla="*/ 0 60000 65536"/>
-                  <a:gd name="T9" fmla="*/ 0 w 1152"/>
-                  <a:gd name="T10" fmla="*/ 0 h 152"/>
-                  <a:gd name="T11" fmla="*/ 1152 w 1152"/>
-                  <a:gd name="T12" fmla="*/ 152 h 152"/>
-                </a:gdLst>
-                <a:ahLst/>
-                <a:cxnLst>
-                  <a:cxn ang="T6">
-                    <a:pos x="T0" y="T1"/>
-                  </a:cxn>
-                  <a:cxn ang="T7">
-                    <a:pos x="T2" y="T3"/>
-                  </a:cxn>
-                  <a:cxn ang="T8">
-                    <a:pos x="T4" y="T5"/>
-                  </a:cxn>
-                </a:cxnLst>
-                <a:rect l="T9" t="T10" r="T11" b="T12"/>
-                <a:pathLst>
-                  <a:path w="1152" h="152">
-                    <a:moveTo>
-                      <a:pt x="0" y="104"/>
-                    </a:moveTo>
-                    <a:cubicBezTo>
-                      <a:pt x="144" y="52"/>
-                      <a:pt x="288" y="0"/>
-                      <a:pt x="480" y="8"/>
-                    </a:cubicBezTo>
-                    <a:cubicBezTo>
-                      <a:pt x="672" y="16"/>
-                      <a:pt x="912" y="84"/>
-                      <a:pt x="1152" y="152"/>
-                    </a:cubicBezTo>
-                  </a:path>
-                </a:pathLst>
-              </a:custGeom>
-              <a:noFill/>
-              <a:ln w="9525">
-                <a:solidFill>
-                  <a:srgbClr val="FF0000"/>
-                </a:solidFill>
-                <a:round/>
-                <a:headEnd type="none" w="med" len="med"/>
-                <a:tailEnd type="arrow" w="med" len="med"/>
-              </a:ln>
-              <a:extLst>
-                <a:ext uri="{909E8E84-426E-40DD-AFC4-6F175D3DCCD1}">
-                  <a14:hiddenFill xmlns:a14="http://schemas.microsoft.com/office/drawing/2010/main">
-                    <a:solidFill>
-                      <a:srgbClr val="FFFFFF"/>
-                    </a:solidFill>
-                  </a14:hiddenFill>
-                </a:ext>
-              </a:extLst>
-            </p:spPr>
-            <p:txBody>
-              <a:bodyPr/>
-              <a:lstStyle/>
-              <a:p>
-                <a:endParaRPr lang="en-CA"/>
-              </a:p>
-            </p:txBody>
-          </p:sp>
-          <p:cxnSp>
-            <p:nvCxnSpPr>
-              <p:cNvPr id="118" name="Straight Arrow Connector 117"/>
-              <p:cNvCxnSpPr/>
-              <p:nvPr/>
-            </p:nvCxnSpPr>
-            <p:spPr>
-              <a:xfrm>
-                <a:off x="2477033" y="1742831"/>
-                <a:ext cx="2940" cy="9446"/>
-              </a:xfrm>
-              <a:prstGeom prst="straightConnector1">
-                <a:avLst/>
-              </a:prstGeom>
-              <a:noFill/>
-              <a:ln w="9525">
-                <a:solidFill>
-                  <a:srgbClr val="FF0000"/>
-                </a:solidFill>
-                <a:round/>
-                <a:headEnd type="none" w="med" len="med"/>
-                <a:tailEnd type="arrow" w="med" len="med"/>
-              </a:ln>
-              <a:extLst>
-                <a:ext uri="{909E8E84-426E-40DD-AFC4-6F175D3DCCD1}">
-                  <a14:hiddenFill xmlns:a14="http://schemas.microsoft.com/office/drawing/2010/main">
-                    <a:solidFill>
-                      <a:srgbClr val="FFFFFF"/>
-                    </a:solidFill>
-                  </a14:hiddenFill>
-                </a:ext>
-              </a:extLst>
-            </p:spPr>
-          </p:cxnSp>
-        </p:grpSp>
-        <p:grpSp>
-          <p:nvGrpSpPr>
-            <p:cNvPr id="7" name="Group 6"/>
-            <p:cNvGrpSpPr/>
-            <p:nvPr/>
-          </p:nvGrpSpPr>
-          <p:grpSpPr>
-            <a:xfrm>
-              <a:off x="5528555" y="995060"/>
-              <a:ext cx="607710" cy="3715477"/>
-              <a:chOff x="5528555" y="995060"/>
-              <a:chExt cx="607710" cy="3715477"/>
-            </a:xfrm>
-          </p:grpSpPr>
-          <p:sp>
-            <p:nvSpPr>
-              <p:cNvPr id="93" name="Freeform 7"/>
-              <p:cNvSpPr>
-                <a:spLocks/>
-              </p:cNvSpPr>
-              <p:nvPr/>
-            </p:nvSpPr>
-            <p:spPr bwMode="auto">
-              <a:xfrm rot="16401446" flipH="1">
-                <a:off x="3974671" y="2548944"/>
-                <a:ext cx="3715477" cy="607710"/>
-              </a:xfrm>
-              <a:custGeom>
-                <a:avLst/>
-                <a:gdLst>
-                  <a:gd name="T0" fmla="*/ 0 w 1152"/>
-                  <a:gd name="T1" fmla="*/ 104 h 152"/>
-                  <a:gd name="T2" fmla="*/ 480 w 1152"/>
-                  <a:gd name="T3" fmla="*/ 8 h 152"/>
-                  <a:gd name="T4" fmla="*/ 1152 w 1152"/>
-                  <a:gd name="T5" fmla="*/ 152 h 152"/>
-                  <a:gd name="T6" fmla="*/ 0 60000 65536"/>
-                  <a:gd name="T7" fmla="*/ 0 60000 65536"/>
-                  <a:gd name="T8" fmla="*/ 0 60000 65536"/>
-                  <a:gd name="T9" fmla="*/ 0 w 1152"/>
-                  <a:gd name="T10" fmla="*/ 0 h 152"/>
-                  <a:gd name="T11" fmla="*/ 1152 w 1152"/>
-                  <a:gd name="T12" fmla="*/ 152 h 152"/>
-                </a:gdLst>
-                <a:ahLst/>
-                <a:cxnLst>
-                  <a:cxn ang="T6">
-                    <a:pos x="T0" y="T1"/>
-                  </a:cxn>
-                  <a:cxn ang="T7">
-                    <a:pos x="T2" y="T3"/>
-                  </a:cxn>
-                  <a:cxn ang="T8">
-                    <a:pos x="T4" y="T5"/>
-                  </a:cxn>
-                </a:cxnLst>
-                <a:rect l="T9" t="T10" r="T11" b="T12"/>
-                <a:pathLst>
-                  <a:path w="1152" h="152">
-                    <a:moveTo>
-                      <a:pt x="0" y="104"/>
-                    </a:moveTo>
-                    <a:cubicBezTo>
-                      <a:pt x="144" y="52"/>
-                      <a:pt x="288" y="0"/>
-                      <a:pt x="480" y="8"/>
-                    </a:cubicBezTo>
-                    <a:cubicBezTo>
-                      <a:pt x="672" y="16"/>
-                      <a:pt x="912" y="84"/>
-                      <a:pt x="1152" y="152"/>
-                    </a:cubicBezTo>
-                  </a:path>
-                </a:pathLst>
-              </a:custGeom>
-              <a:noFill/>
-              <a:ln w="9525">
-                <a:solidFill>
-                  <a:srgbClr val="00B050"/>
-                </a:solidFill>
-                <a:round/>
-                <a:headEnd type="none" w="med" len="med"/>
-                <a:tailEnd type="arrow" w="med" len="med"/>
-              </a:ln>
-              <a:extLst>
-                <a:ext uri="{909E8E84-426E-40DD-AFC4-6F175D3DCCD1}">
-                  <a14:hiddenFill xmlns:a14="http://schemas.microsoft.com/office/drawing/2010/main">
-                    <a:solidFill>
-                      <a:srgbClr val="FFFFFF"/>
-                    </a:solidFill>
-                  </a14:hiddenFill>
-                </a:ext>
-              </a:extLst>
-            </p:spPr>
-            <p:txBody>
-              <a:bodyPr/>
-              <a:lstStyle/>
-              <a:p>
-                <a:endParaRPr lang="en-CA"/>
-              </a:p>
-            </p:txBody>
-          </p:sp>
-          <p:cxnSp>
-            <p:nvCxnSpPr>
-              <p:cNvPr id="144" name="Straight Arrow Connector 143"/>
-              <p:cNvCxnSpPr/>
-              <p:nvPr/>
-            </p:nvCxnSpPr>
-            <p:spPr>
-              <a:xfrm flipH="1">
-                <a:off x="5714522" y="1727612"/>
-                <a:ext cx="8293" cy="23212"/>
-              </a:xfrm>
-              <a:prstGeom prst="straightConnector1">
-                <a:avLst/>
-              </a:prstGeom>
-              <a:noFill/>
-              <a:ln w="9525">
-                <a:solidFill>
-                  <a:srgbClr val="00B050"/>
-                </a:solidFill>
-                <a:round/>
-                <a:headEnd type="none" w="med" len="med"/>
-                <a:tailEnd type="arrow" w="med" len="med"/>
-              </a:ln>
-              <a:extLst>
-                <a:ext uri="{909E8E84-426E-40DD-AFC4-6F175D3DCCD1}">
-                  <a14:hiddenFill xmlns:a14="http://schemas.microsoft.com/office/drawing/2010/main">
-                    <a:solidFill>
-                      <a:srgbClr val="FFFFFF"/>
-                    </a:solidFill>
-                  </a14:hiddenFill>
-                </a:ext>
-              </a:extLst>
-            </p:spPr>
-          </p:cxnSp>
-        </p:grpSp>
-        <p:grpSp>
-          <p:nvGrpSpPr>
-            <p:cNvPr id="8" name="Group 7"/>
-            <p:cNvGrpSpPr/>
-            <p:nvPr/>
-          </p:nvGrpSpPr>
-          <p:grpSpPr>
-            <a:xfrm>
-              <a:off x="6291664" y="1034868"/>
+              <a:off x="6291664" y="1520338"/>
               <a:ext cx="185209" cy="2626996"/>
-              <a:chOff x="6291664" y="1034868"/>
+              <a:chOff x="6291664" y="1520338"/>
               <a:chExt cx="185209" cy="2626996"/>
             </a:xfrm>
           </p:grpSpPr>
@@ -9494,7 +10308,7 @@
             </p:nvSpPr>
             <p:spPr bwMode="auto">
               <a:xfrm rot="16401446" flipH="1">
-                <a:off x="5070771" y="2255761"/>
+                <a:off x="5070771" y="2741231"/>
                 <a:ext cx="2626996" cy="185209"/>
               </a:xfrm>
               <a:custGeom>
@@ -9572,558 +10386,105 @@
               </a:p>
             </p:txBody>
           </p:sp>
-          <p:cxnSp>
-            <p:nvCxnSpPr>
-              <p:cNvPr id="145" name="Straight Arrow Connector 144"/>
-              <p:cNvCxnSpPr/>
+          <p:grpSp>
+            <p:nvGrpSpPr>
+              <p:cNvPr id="136" name="Group 135"/>
+              <p:cNvGrpSpPr/>
               <p:nvPr/>
-            </p:nvCxnSpPr>
-            <p:spPr>
-              <a:xfrm flipH="1">
-                <a:off x="6348020" y="1731108"/>
-                <a:ext cx="3084" cy="17963"/>
+            </p:nvGrpSpPr>
+            <p:grpSpPr>
+              <a:xfrm rot="641186" flipV="1">
+                <a:off x="6317540" y="2033396"/>
+                <a:ext cx="96015" cy="196091"/>
+                <a:chOff x="2843808" y="2132856"/>
+                <a:chExt cx="113535" cy="216024"/>
               </a:xfrm>
-              <a:prstGeom prst="straightConnector1">
-                <a:avLst/>
-              </a:prstGeom>
-              <a:noFill/>
-              <a:ln w="9525">
-                <a:solidFill>
-                  <a:srgbClr val="00B050"/>
-                </a:solidFill>
-                <a:round/>
-                <a:headEnd type="none" w="med" len="med"/>
-                <a:tailEnd type="arrow" w="med" len="med"/>
-              </a:ln>
-              <a:extLst>
-                <a:ext uri="{909E8E84-426E-40DD-AFC4-6F175D3DCCD1}">
-                  <a14:hiddenFill xmlns:a14="http://schemas.microsoft.com/office/drawing/2010/main">
-                    <a:solidFill>
-                      <a:srgbClr val="FFFFFF"/>
-                    </a:solidFill>
-                  </a14:hiddenFill>
-                </a:ext>
-              </a:extLst>
-            </p:spPr>
-          </p:cxnSp>
+            </p:grpSpPr>
+            <p:sp>
+              <p:nvSpPr>
+                <p:cNvPr id="137" name="Arc 136"/>
+                <p:cNvSpPr/>
+                <p:nvPr/>
+              </p:nvSpPr>
+              <p:spPr>
+                <a:xfrm>
+                  <a:off x="2843809" y="2132856"/>
+                  <a:ext cx="113534" cy="216024"/>
+                </a:xfrm>
+                <a:prstGeom prst="arc">
+                  <a:avLst/>
+                </a:prstGeom>
+                <a:noFill/>
+                <a:ln w="9525">
+                  <a:solidFill>
+                    <a:srgbClr val="00B050"/>
+                  </a:solidFill>
+                  <a:round/>
+                  <a:headEnd type="none" w="med" len="med"/>
+                  <a:tailEnd type="none" w="med" len="med"/>
+                </a:ln>
+                <a:extLst>
+                  <a:ext uri="{909E8E84-426E-40DD-AFC4-6F175D3DCCD1}">
+                    <a14:hiddenFill xmlns:a14="http://schemas.microsoft.com/office/drawing/2010/main">
+                      <a:solidFill>
+                        <a:srgbClr val="FFFFFF"/>
+                      </a:solidFill>
+                    </a14:hiddenFill>
+                  </a:ext>
+                </a:extLst>
+              </p:spPr>
+              <p:txBody>
+                <a:bodyPr/>
+                <a:lstStyle/>
+                <a:p>
+                  <a:endParaRPr lang="en-CA"/>
+                </a:p>
+              </p:txBody>
+            </p:sp>
+            <p:sp>
+              <p:nvSpPr>
+                <p:cNvPr id="138" name="Arc 137"/>
+                <p:cNvSpPr/>
+                <p:nvPr/>
+              </p:nvSpPr>
+              <p:spPr>
+                <a:xfrm flipH="1">
+                  <a:off x="2843808" y="2132856"/>
+                  <a:ext cx="113534" cy="216024"/>
+                </a:xfrm>
+                <a:prstGeom prst="arc">
+                  <a:avLst/>
+                </a:prstGeom>
+                <a:noFill/>
+                <a:ln w="9525">
+                  <a:solidFill>
+                    <a:srgbClr val="00B050"/>
+                  </a:solidFill>
+                  <a:round/>
+                  <a:headEnd type="none" w="med" len="med"/>
+                  <a:tailEnd type="none" w="med" len="med"/>
+                </a:ln>
+                <a:extLst>
+                  <a:ext uri="{909E8E84-426E-40DD-AFC4-6F175D3DCCD1}">
+                    <a14:hiddenFill xmlns:a14="http://schemas.microsoft.com/office/drawing/2010/main">
+                      <a:solidFill>
+                        <a:srgbClr val="FFFFFF"/>
+                      </a:solidFill>
+                    </a14:hiddenFill>
+                  </a:ext>
+                </a:extLst>
+              </p:spPr>
+              <p:txBody>
+                <a:bodyPr/>
+                <a:lstStyle/>
+                <a:p>
+                  <a:endParaRPr lang="en-CA"/>
+                </a:p>
+              </p:txBody>
+            </p:sp>
+          </p:grpSp>
         </p:grpSp>
       </p:grpSp>
-      <p:sp>
-        <p:nvSpPr>
-          <p:cNvPr id="11" name="TextBox 10"/>
-          <p:cNvSpPr txBox="1"/>
-          <p:nvPr/>
-        </p:nvSpPr>
-        <p:spPr>
-          <a:xfrm>
-            <a:off x="72008" y="35331"/>
-            <a:ext cx="9108504" cy="384721"/>
-          </a:xfrm>
-          <a:prstGeom prst="rect">
-            <a:avLst/>
-          </a:prstGeom>
-          <a:noFill/>
-        </p:spPr>
-        <p:txBody>
-          <a:bodyPr wrap="square" rtlCol="0">
-            <a:spAutoFit/>
-          </a:bodyPr>
-          <a:lstStyle/>
-          <a:p>
-            <a:r>
-              <a:rPr lang="en-CA" sz="1900" dirty="0" smtClean="0">
-                <a:effectLst>
-                  <a:outerShdw blurRad="38100" dist="38100" dir="2700000" algn="tl">
-                    <a:srgbClr val="000000">
-                      <a:alpha val="43137"/>
-                    </a:srgbClr>
-                  </a:outerShdw>
-                </a:effectLst>
-              </a:rPr>
-              <a:t>Data in </a:t>
-            </a:r>
-            <a:r>
-              <a:rPr lang="en-CA" sz="1900" dirty="0" smtClean="0">
-                <a:effectLst>
-                  <a:outerShdw blurRad="38100" dist="38100" dir="2700000" algn="tl">
-                    <a:srgbClr val="000000">
-                      <a:alpha val="43137"/>
-                    </a:srgbClr>
-                  </a:outerShdw>
-                </a:effectLst>
-              </a:rPr>
-              <a:t>Perspective: </a:t>
-            </a:r>
-            <a:r>
-              <a:rPr lang="en-CA" sz="1900" dirty="0">
-                <a:effectLst>
-                  <a:outerShdw blurRad="38100" dist="38100" dir="2700000" algn="tl">
-                    <a:srgbClr val="000000">
-                      <a:alpha val="43137"/>
-                    </a:srgbClr>
-                  </a:outerShdw>
-                </a:effectLst>
-              </a:rPr>
-              <a:t>The Rich </a:t>
-            </a:r>
-            <a:r>
-              <a:rPr lang="en-CA" sz="1900" dirty="0" smtClean="0">
-                <a:effectLst>
-                  <a:outerShdw blurRad="38100" dist="38100" dir="2700000" algn="tl">
-                    <a:srgbClr val="000000">
-                      <a:alpha val="43137"/>
-                    </a:srgbClr>
-                  </a:outerShdw>
-                </a:effectLst>
-              </a:rPr>
-              <a:t>TA Example </a:t>
-            </a:r>
-            <a:r>
-              <a:rPr lang="en-CA" sz="1900" dirty="0">
-                <a:effectLst>
-                  <a:outerShdw blurRad="38100" dist="38100" dir="2700000" algn="tl">
-                    <a:srgbClr val="000000">
-                      <a:alpha val="43137"/>
-                    </a:srgbClr>
-                  </a:outerShdw>
-                </a:effectLst>
-              </a:rPr>
-              <a:t>as </a:t>
-            </a:r>
-            <a:r>
-              <a:rPr lang="en-CA" sz="1900" dirty="0" err="1" smtClean="0">
-                <a:effectLst>
-                  <a:outerShdw blurRad="38100" dist="38100" dir="2700000" algn="tl">
-                    <a:srgbClr val="000000">
-                      <a:alpha val="43137"/>
-                    </a:srgbClr>
-                  </a:outerShdw>
-                </a:effectLst>
-              </a:rPr>
-              <a:t>Grailog</a:t>
-            </a:r>
-            <a:r>
-              <a:rPr lang="en-CA" sz="1900" dirty="0" smtClean="0">
-                <a:effectLst>
-                  <a:outerShdw blurRad="38100" dist="38100" dir="2700000" algn="tl">
-                    <a:srgbClr val="000000">
-                      <a:alpha val="43137"/>
-                    </a:srgbClr>
-                  </a:outerShdw>
-                </a:effectLst>
-              </a:rPr>
-              <a:t> Visualization and PSOA </a:t>
-            </a:r>
-            <a:r>
-              <a:rPr lang="en-CA" sz="1900" dirty="0" err="1" smtClean="0">
-                <a:effectLst>
-                  <a:outerShdw blurRad="38100" dist="38100" dir="2700000" algn="tl">
-                    <a:srgbClr val="000000">
-                      <a:alpha val="43137"/>
-                    </a:srgbClr>
-                  </a:outerShdw>
-                </a:effectLst>
-              </a:rPr>
-              <a:t>RuleML</a:t>
-            </a:r>
-            <a:r>
-              <a:rPr lang="en-CA" sz="1900" dirty="0" smtClean="0">
-                <a:effectLst>
-                  <a:outerShdw blurRad="38100" dist="38100" dir="2700000" algn="tl">
-                    <a:srgbClr val="000000">
-                      <a:alpha val="43137"/>
-                    </a:srgbClr>
-                  </a:outerShdw>
-                </a:effectLst>
-              </a:rPr>
-              <a:t> Facts</a:t>
-            </a:r>
-            <a:endParaRPr lang="en-CA" sz="1900" dirty="0" smtClean="0">
-              <a:effectLst>
-                <a:outerShdw blurRad="38100" dist="38100" dir="2700000" algn="tl">
-                  <a:srgbClr val="000000">
-                    <a:alpha val="43137"/>
-                  </a:srgbClr>
-                </a:outerShdw>
-              </a:effectLst>
-            </a:endParaRPr>
-          </a:p>
-        </p:txBody>
-      </p:sp>
-      <p:sp>
-        <p:nvSpPr>
-          <p:cNvPr id="12" name="TextBox 11"/>
-          <p:cNvSpPr txBox="1"/>
-          <p:nvPr/>
-        </p:nvSpPr>
-        <p:spPr>
-          <a:xfrm>
-            <a:off x="927056" y="5428854"/>
-            <a:ext cx="349776" cy="369332"/>
-          </a:xfrm>
-          <a:prstGeom prst="rect">
-            <a:avLst/>
-          </a:prstGeom>
-          <a:noFill/>
-        </p:spPr>
-        <p:txBody>
-          <a:bodyPr wrap="none" rtlCol="0">
-            <a:spAutoFit/>
-          </a:bodyPr>
-          <a:lstStyle/>
-          <a:p>
-            <a:r>
-              <a:rPr lang="en-CA" dirty="0" smtClean="0">
-                <a:solidFill>
-                  <a:srgbClr val="0070C0"/>
-                </a:solidFill>
-                <a:sym typeface="Symbol"/>
-              </a:rPr>
-              <a:t></a:t>
-            </a:r>
-            <a:endParaRPr lang="en-CA" dirty="0">
-              <a:solidFill>
-                <a:srgbClr val="0070C0"/>
-              </a:solidFill>
-            </a:endParaRPr>
-          </a:p>
-        </p:txBody>
-      </p:sp>
-      <p:sp>
-        <p:nvSpPr>
-          <p:cNvPr id="112" name="TextBox 111"/>
-          <p:cNvSpPr txBox="1"/>
-          <p:nvPr/>
-        </p:nvSpPr>
-        <p:spPr>
-          <a:xfrm>
-            <a:off x="4779911" y="5426639"/>
-            <a:ext cx="349776" cy="369332"/>
-          </a:xfrm>
-          <a:prstGeom prst="rect">
-            <a:avLst/>
-          </a:prstGeom>
-          <a:noFill/>
-        </p:spPr>
-        <p:txBody>
-          <a:bodyPr wrap="none" rtlCol="0">
-            <a:spAutoFit/>
-          </a:bodyPr>
-          <a:lstStyle/>
-          <a:p>
-            <a:r>
-              <a:rPr lang="en-CA" dirty="0" smtClean="0">
-                <a:solidFill>
-                  <a:srgbClr val="0070C0"/>
-                </a:solidFill>
-                <a:sym typeface="Symbol"/>
-              </a:rPr>
-              <a:t></a:t>
-            </a:r>
-            <a:endParaRPr lang="en-CA" dirty="0">
-              <a:solidFill>
-                <a:srgbClr val="0070C0"/>
-              </a:solidFill>
-            </a:endParaRPr>
-          </a:p>
-        </p:txBody>
-      </p:sp>
-      <p:sp>
-        <p:nvSpPr>
-          <p:cNvPr id="15" name="TextBox 14"/>
-          <p:cNvSpPr txBox="1"/>
-          <p:nvPr/>
-        </p:nvSpPr>
-        <p:spPr>
-          <a:xfrm>
-            <a:off x="107504" y="755411"/>
-            <a:ext cx="1799532" cy="369332"/>
-          </a:xfrm>
-          <a:prstGeom prst="rect">
-            <a:avLst/>
-          </a:prstGeom>
-          <a:noFill/>
-        </p:spPr>
-        <p:txBody>
-          <a:bodyPr wrap="none" rtlCol="0">
-            <a:spAutoFit/>
-          </a:bodyPr>
-          <a:lstStyle/>
-          <a:p>
-            <a:r>
-              <a:rPr lang="en-CA" i="1" dirty="0" smtClean="0"/>
-              <a:t>PSOA </a:t>
-            </a:r>
-            <a:r>
-              <a:rPr lang="en-CA" i="1" dirty="0" err="1"/>
-              <a:t>RuleML</a:t>
-            </a:r>
-            <a:r>
-              <a:rPr lang="en-CA" i="1" dirty="0"/>
-              <a:t> 1.0</a:t>
-            </a:r>
-          </a:p>
-        </p:txBody>
-      </p:sp>
-      <p:sp>
-        <p:nvSpPr>
-          <p:cNvPr id="114" name="TextBox 113"/>
-          <p:cNvSpPr txBox="1"/>
-          <p:nvPr/>
-        </p:nvSpPr>
-        <p:spPr>
-          <a:xfrm>
-            <a:off x="5893904" y="748441"/>
-            <a:ext cx="3142592" cy="276999"/>
-          </a:xfrm>
-          <a:prstGeom prst="rect">
-            <a:avLst/>
-          </a:prstGeom>
-          <a:noFill/>
-        </p:spPr>
-        <p:txBody>
-          <a:bodyPr wrap="none" rtlCol="0">
-            <a:spAutoFit/>
-          </a:bodyPr>
-          <a:lstStyle/>
-          <a:p>
-            <a:r>
-              <a:rPr lang="en-CA" sz="1200" i="1" dirty="0">
-                <a:hlinkClick r:id="rId2"/>
-              </a:rPr>
-              <a:t>http://</a:t>
-            </a:r>
-            <a:r>
-              <a:rPr lang="en-CA" sz="1200" i="1" dirty="0" smtClean="0">
-                <a:hlinkClick r:id="rId2"/>
-              </a:rPr>
-              <a:t>wiki.ruleml.org/index.php/PSOA_RuleML</a:t>
-            </a:r>
-            <a:endParaRPr lang="en-CA" sz="1200" i="1" dirty="0" smtClean="0"/>
-          </a:p>
-        </p:txBody>
-      </p:sp>
-      <p:sp>
-        <p:nvSpPr>
-          <p:cNvPr id="13" name="TextBox 12"/>
-          <p:cNvSpPr txBox="1"/>
-          <p:nvPr/>
-        </p:nvSpPr>
-        <p:spPr>
-          <a:xfrm>
-            <a:off x="122973" y="1115451"/>
-            <a:ext cx="1118383" cy="523220"/>
-          </a:xfrm>
-          <a:prstGeom prst="rect">
-            <a:avLst/>
-          </a:prstGeom>
-          <a:noFill/>
-        </p:spPr>
-        <p:txBody>
-          <a:bodyPr wrap="none" rtlCol="0">
-            <a:spAutoFit/>
-          </a:bodyPr>
-          <a:lstStyle/>
-          <a:p>
-            <a:r>
-              <a:rPr lang="en-CA" sz="1400" dirty="0"/>
-              <a:t>Harold </a:t>
-            </a:r>
-            <a:r>
-              <a:rPr lang="en-CA" sz="1400" dirty="0" smtClean="0"/>
-              <a:t>Boley</a:t>
-            </a:r>
-          </a:p>
-          <a:p>
-            <a:r>
-              <a:rPr lang="en-CA" sz="1400" dirty="0" smtClean="0"/>
-              <a:t>Gen </a:t>
-            </a:r>
-            <a:r>
-              <a:rPr lang="en-CA" sz="1400" dirty="0"/>
-              <a:t>Zou</a:t>
-            </a:r>
-          </a:p>
-        </p:txBody>
-      </p:sp>
-      <p:sp>
-        <p:nvSpPr>
-          <p:cNvPr id="113" name="TextBox 112"/>
-          <p:cNvSpPr txBox="1"/>
-          <p:nvPr/>
-        </p:nvSpPr>
-        <p:spPr>
-          <a:xfrm>
-            <a:off x="7359922" y="1097448"/>
-            <a:ext cx="1805431" cy="954107"/>
-          </a:xfrm>
-          <a:prstGeom prst="rect">
-            <a:avLst/>
-          </a:prstGeom>
-          <a:noFill/>
-        </p:spPr>
-        <p:txBody>
-          <a:bodyPr wrap="none" rtlCol="0">
-            <a:spAutoFit/>
-          </a:bodyPr>
-          <a:lstStyle/>
-          <a:p>
-            <a:r>
-              <a:rPr lang="en-CA" sz="1400" dirty="0"/>
-              <a:t>Standards </a:t>
-            </a:r>
-            <a:r>
-              <a:rPr lang="en-CA" sz="1400" dirty="0" smtClean="0"/>
-              <a:t>Session</a:t>
-            </a:r>
-          </a:p>
-          <a:p>
-            <a:r>
-              <a:rPr lang="en-CA" sz="1400" dirty="0" err="1" smtClean="0"/>
-              <a:t>RuleML+RR</a:t>
-            </a:r>
-            <a:r>
-              <a:rPr lang="en-CA" sz="1400" dirty="0" smtClean="0"/>
-              <a:t> </a:t>
-            </a:r>
-            <a:r>
-              <a:rPr lang="en-CA" sz="1400" dirty="0"/>
-              <a:t>2017</a:t>
-            </a:r>
-          </a:p>
-          <a:p>
-            <a:r>
-              <a:rPr lang="en-CA" sz="1400" dirty="0"/>
-              <a:t>July 12-15, </a:t>
-            </a:r>
-            <a:r>
-              <a:rPr lang="en-CA" sz="1400" dirty="0" smtClean="0"/>
-              <a:t>2017</a:t>
-            </a:r>
-          </a:p>
-          <a:p>
-            <a:r>
-              <a:rPr lang="en-CA" sz="1400" dirty="0" smtClean="0"/>
-              <a:t>Update: </a:t>
-            </a:r>
-            <a:r>
-              <a:rPr lang="en-CA" sz="1400" dirty="0" smtClean="0"/>
-              <a:t>Nov. 15, </a:t>
-            </a:r>
-            <a:r>
-              <a:rPr lang="en-CA" sz="1400" dirty="0" smtClean="0"/>
-              <a:t>2017</a:t>
-            </a:r>
-            <a:endParaRPr lang="en-CA" sz="1400" dirty="0"/>
-          </a:p>
-        </p:txBody>
-      </p:sp>
-      <p:sp>
-        <p:nvSpPr>
-          <p:cNvPr id="119" name="TextBox 118"/>
-          <p:cNvSpPr txBox="1"/>
-          <p:nvPr/>
-        </p:nvSpPr>
-        <p:spPr>
-          <a:xfrm>
-            <a:off x="35496" y="404664"/>
-            <a:ext cx="9108504" cy="338554"/>
-          </a:xfrm>
-          <a:prstGeom prst="rect">
-            <a:avLst/>
-          </a:prstGeom>
-          <a:noFill/>
-        </p:spPr>
-        <p:txBody>
-          <a:bodyPr wrap="square" rtlCol="0">
-            <a:spAutoFit/>
-          </a:bodyPr>
-          <a:lstStyle/>
-          <a:p>
-            <a:r>
-              <a:rPr lang="en-CA" sz="1600" dirty="0" smtClean="0"/>
-              <a:t>Describe </a:t>
-            </a:r>
-            <a:r>
-              <a:rPr lang="en-CA" sz="1600" dirty="0"/>
-              <a:t>John </a:t>
-            </a:r>
-            <a:r>
-              <a:rPr lang="en-CA" sz="1600" dirty="0" smtClean="0"/>
-              <a:t>independently</a:t>
-            </a:r>
-            <a:r>
-              <a:rPr lang="en-CA" sz="900" dirty="0" smtClean="0"/>
-              <a:t> </a:t>
-            </a:r>
-            <a:r>
-              <a:rPr lang="en-CA" sz="1600" dirty="0"/>
-              <a:t>(-) re income,</a:t>
-            </a:r>
-            <a:r>
-              <a:rPr lang="en-CA" sz="900" dirty="0"/>
-              <a:t> </a:t>
-            </a:r>
-            <a:r>
-              <a:rPr lang="en-CA" sz="1600" dirty="0" smtClean="0"/>
-              <a:t>gender,</a:t>
-            </a:r>
-            <a:r>
-              <a:rPr lang="en-CA" sz="900" dirty="0" smtClean="0"/>
-              <a:t> </a:t>
-            </a:r>
-            <a:r>
-              <a:rPr lang="en-CA" sz="1600" dirty="0" err="1" smtClean="0"/>
-              <a:t>dob</a:t>
-            </a:r>
-            <a:r>
-              <a:rPr lang="en-CA" sz="1600" dirty="0" smtClean="0"/>
-              <a:t> </a:t>
-            </a:r>
-            <a:r>
-              <a:rPr lang="en-CA" sz="1600" dirty="0"/>
-              <a:t>and </a:t>
-            </a:r>
-            <a:r>
-              <a:rPr lang="en-CA" sz="1600" dirty="0" smtClean="0"/>
-              <a:t>dependent</a:t>
-            </a:r>
-            <a:r>
-              <a:rPr lang="en-CA" sz="900" dirty="0" smtClean="0"/>
-              <a:t> </a:t>
-            </a:r>
-            <a:r>
-              <a:rPr lang="en-CA" sz="1600" dirty="0" smtClean="0"/>
-              <a:t>(+) on Teacher</a:t>
-            </a:r>
-            <a:r>
-              <a:rPr lang="en-CA" sz="900" dirty="0" smtClean="0"/>
-              <a:t> </a:t>
-            </a:r>
-            <a:r>
-              <a:rPr lang="en-CA" sz="1600" dirty="0" smtClean="0"/>
-              <a:t>(3), TA</a:t>
-            </a:r>
-            <a:r>
-              <a:rPr lang="en-CA" sz="900" dirty="0" smtClean="0"/>
-              <a:t> </a:t>
-            </a:r>
-            <a:r>
-              <a:rPr lang="en-CA" sz="1600" dirty="0" smtClean="0"/>
-              <a:t>(1), Student</a:t>
-            </a:r>
-            <a:r>
-              <a:rPr lang="en-CA" sz="900" dirty="0" smtClean="0"/>
-              <a:t> </a:t>
-            </a:r>
-            <a:r>
-              <a:rPr lang="en-CA" sz="1600" dirty="0" smtClean="0"/>
-              <a:t>(2).</a:t>
-            </a:r>
-            <a:endParaRPr lang="en-CA" sz="1900" dirty="0"/>
-          </a:p>
-        </p:txBody>
-      </p:sp>
     </p:spTree>
     <p:extLst>
       <p:ext uri="{BB962C8B-B14F-4D97-AF65-F5344CB8AC3E}">
